--- a/MoneyThoring_pres.pptx
+++ b/MoneyThoring_pres.pptx
@@ -21623,7 +21623,7 @@
                   <a:ea typeface="Roboto Light" charset="0"/>
                   <a:cs typeface="Roboto Light" charset="0"/>
                 </a:rPr>
-                <a:t>récurrenclese</a:t>
+                <a:t>récurrence</a:t>
               </a:r>
               <a:r>
                 <a:rPr lang="en-US" sz="1400" dirty="0">
@@ -28110,623 +28110,6 @@
       </p:sp>
       <p:sp>
         <p:nvSpPr>
-          <p:cNvPr id="26" name="Freeform 25"/>
-          <p:cNvSpPr>
-            <a:spLocks noChangeArrowheads="1"/>
-          </p:cNvSpPr>
-          <p:nvPr/>
-        </p:nvSpPr>
-        <p:spPr bwMode="auto">
-          <a:xfrm>
-            <a:off x="931340" y="2764537"/>
-            <a:ext cx="400859" cy="351774"/>
-          </a:xfrm>
-          <a:custGeom>
-            <a:avLst/>
-            <a:gdLst>
-              <a:gd name="T0" fmla="*/ 378 w 430"/>
-              <a:gd name="T1" fmla="*/ 22 h 379"/>
-              <a:gd name="T2" fmla="*/ 346 w 430"/>
-              <a:gd name="T3" fmla="*/ 0 h 379"/>
-              <a:gd name="T4" fmla="*/ 82 w 430"/>
-              <a:gd name="T5" fmla="*/ 0 h 379"/>
-              <a:gd name="T6" fmla="*/ 50 w 430"/>
-              <a:gd name="T7" fmla="*/ 22 h 379"/>
-              <a:gd name="T8" fmla="*/ 0 w 430"/>
-              <a:gd name="T9" fmla="*/ 164 h 379"/>
-              <a:gd name="T10" fmla="*/ 0 w 430"/>
-              <a:gd name="T11" fmla="*/ 355 h 379"/>
-              <a:gd name="T12" fmla="*/ 23 w 430"/>
-              <a:gd name="T13" fmla="*/ 378 h 379"/>
-              <a:gd name="T14" fmla="*/ 46 w 430"/>
-              <a:gd name="T15" fmla="*/ 378 h 379"/>
-              <a:gd name="T16" fmla="*/ 69 w 430"/>
-              <a:gd name="T17" fmla="*/ 355 h 379"/>
-              <a:gd name="T18" fmla="*/ 69 w 430"/>
-              <a:gd name="T19" fmla="*/ 332 h 379"/>
-              <a:gd name="T20" fmla="*/ 356 w 430"/>
-              <a:gd name="T21" fmla="*/ 332 h 379"/>
-              <a:gd name="T22" fmla="*/ 356 w 430"/>
-              <a:gd name="T23" fmla="*/ 355 h 379"/>
-              <a:gd name="T24" fmla="*/ 378 w 430"/>
-              <a:gd name="T25" fmla="*/ 378 h 379"/>
-              <a:gd name="T26" fmla="*/ 406 w 430"/>
-              <a:gd name="T27" fmla="*/ 378 h 379"/>
-              <a:gd name="T28" fmla="*/ 429 w 430"/>
-              <a:gd name="T29" fmla="*/ 355 h 379"/>
-              <a:gd name="T30" fmla="*/ 429 w 430"/>
-              <a:gd name="T31" fmla="*/ 164 h 379"/>
-              <a:gd name="T32" fmla="*/ 378 w 430"/>
-              <a:gd name="T33" fmla="*/ 22 h 379"/>
-              <a:gd name="T34" fmla="*/ 82 w 430"/>
-              <a:gd name="T35" fmla="*/ 259 h 379"/>
-              <a:gd name="T36" fmla="*/ 46 w 430"/>
-              <a:gd name="T37" fmla="*/ 223 h 379"/>
-              <a:gd name="T38" fmla="*/ 82 w 430"/>
-              <a:gd name="T39" fmla="*/ 186 h 379"/>
-              <a:gd name="T40" fmla="*/ 119 w 430"/>
-              <a:gd name="T41" fmla="*/ 223 h 379"/>
-              <a:gd name="T42" fmla="*/ 82 w 430"/>
-              <a:gd name="T43" fmla="*/ 259 h 379"/>
-              <a:gd name="T44" fmla="*/ 346 w 430"/>
-              <a:gd name="T45" fmla="*/ 259 h 379"/>
-              <a:gd name="T46" fmla="*/ 310 w 430"/>
-              <a:gd name="T47" fmla="*/ 223 h 379"/>
-              <a:gd name="T48" fmla="*/ 346 w 430"/>
-              <a:gd name="T49" fmla="*/ 186 h 379"/>
-              <a:gd name="T50" fmla="*/ 378 w 430"/>
-              <a:gd name="T51" fmla="*/ 223 h 379"/>
-              <a:gd name="T52" fmla="*/ 346 w 430"/>
-              <a:gd name="T53" fmla="*/ 259 h 379"/>
-              <a:gd name="T54" fmla="*/ 46 w 430"/>
-              <a:gd name="T55" fmla="*/ 141 h 379"/>
-              <a:gd name="T56" fmla="*/ 82 w 430"/>
-              <a:gd name="T57" fmla="*/ 31 h 379"/>
-              <a:gd name="T58" fmla="*/ 346 w 430"/>
-              <a:gd name="T59" fmla="*/ 31 h 379"/>
-              <a:gd name="T60" fmla="*/ 378 w 430"/>
-              <a:gd name="T61" fmla="*/ 141 h 379"/>
-              <a:gd name="T62" fmla="*/ 46 w 430"/>
-              <a:gd name="T63" fmla="*/ 141 h 379"/>
-            </a:gdLst>
-            <a:ahLst/>
-            <a:cxnLst>
-              <a:cxn ang="0">
-                <a:pos x="T0" y="T1"/>
-              </a:cxn>
-              <a:cxn ang="0">
-                <a:pos x="T2" y="T3"/>
-              </a:cxn>
-              <a:cxn ang="0">
-                <a:pos x="T4" y="T5"/>
-              </a:cxn>
-              <a:cxn ang="0">
-                <a:pos x="T6" y="T7"/>
-              </a:cxn>
-              <a:cxn ang="0">
-                <a:pos x="T8" y="T9"/>
-              </a:cxn>
-              <a:cxn ang="0">
-                <a:pos x="T10" y="T11"/>
-              </a:cxn>
-              <a:cxn ang="0">
-                <a:pos x="T12" y="T13"/>
-              </a:cxn>
-              <a:cxn ang="0">
-                <a:pos x="T14" y="T15"/>
-              </a:cxn>
-              <a:cxn ang="0">
-                <a:pos x="T16" y="T17"/>
-              </a:cxn>
-              <a:cxn ang="0">
-                <a:pos x="T18" y="T19"/>
-              </a:cxn>
-              <a:cxn ang="0">
-                <a:pos x="T20" y="T21"/>
-              </a:cxn>
-              <a:cxn ang="0">
-                <a:pos x="T22" y="T23"/>
-              </a:cxn>
-              <a:cxn ang="0">
-                <a:pos x="T24" y="T25"/>
-              </a:cxn>
-              <a:cxn ang="0">
-                <a:pos x="T26" y="T27"/>
-              </a:cxn>
-              <a:cxn ang="0">
-                <a:pos x="T28" y="T29"/>
-              </a:cxn>
-              <a:cxn ang="0">
-                <a:pos x="T30" y="T31"/>
-              </a:cxn>
-              <a:cxn ang="0">
-                <a:pos x="T32" y="T33"/>
-              </a:cxn>
-              <a:cxn ang="0">
-                <a:pos x="T34" y="T35"/>
-              </a:cxn>
-              <a:cxn ang="0">
-                <a:pos x="T36" y="T37"/>
-              </a:cxn>
-              <a:cxn ang="0">
-                <a:pos x="T38" y="T39"/>
-              </a:cxn>
-              <a:cxn ang="0">
-                <a:pos x="T40" y="T41"/>
-              </a:cxn>
-              <a:cxn ang="0">
-                <a:pos x="T42" y="T43"/>
-              </a:cxn>
-              <a:cxn ang="0">
-                <a:pos x="T44" y="T45"/>
-              </a:cxn>
-              <a:cxn ang="0">
-                <a:pos x="T46" y="T47"/>
-              </a:cxn>
-              <a:cxn ang="0">
-                <a:pos x="T48" y="T49"/>
-              </a:cxn>
-              <a:cxn ang="0">
-                <a:pos x="T50" y="T51"/>
-              </a:cxn>
-              <a:cxn ang="0">
-                <a:pos x="T52" y="T53"/>
-              </a:cxn>
-              <a:cxn ang="0">
-                <a:pos x="T54" y="T55"/>
-              </a:cxn>
-              <a:cxn ang="0">
-                <a:pos x="T56" y="T57"/>
-              </a:cxn>
-              <a:cxn ang="0">
-                <a:pos x="T58" y="T59"/>
-              </a:cxn>
-              <a:cxn ang="0">
-                <a:pos x="T60" y="T61"/>
-              </a:cxn>
-              <a:cxn ang="0">
-                <a:pos x="T62" y="T63"/>
-              </a:cxn>
-            </a:cxnLst>
-            <a:rect l="0" t="0" r="r" b="b"/>
-            <a:pathLst>
-              <a:path w="430" h="379">
-                <a:moveTo>
-                  <a:pt x="378" y="22"/>
-                </a:moveTo>
-                <a:cubicBezTo>
-                  <a:pt x="374" y="9"/>
-                  <a:pt x="360" y="0"/>
-                  <a:pt x="346" y="0"/>
-                </a:cubicBezTo>
-                <a:lnTo>
-                  <a:pt x="82" y="0"/>
-                </a:lnTo>
-                <a:cubicBezTo>
-                  <a:pt x="64" y="0"/>
-                  <a:pt x="55" y="9"/>
-                  <a:pt x="50" y="22"/>
-                </a:cubicBezTo>
-                <a:lnTo>
-                  <a:pt x="0" y="164"/>
-                </a:lnTo>
-                <a:lnTo>
-                  <a:pt x="0" y="355"/>
-                </a:lnTo>
-                <a:cubicBezTo>
-                  <a:pt x="0" y="369"/>
-                  <a:pt x="9" y="378"/>
-                  <a:pt x="23" y="378"/>
-                </a:cubicBezTo>
-                <a:lnTo>
-                  <a:pt x="46" y="378"/>
-                </a:lnTo>
-                <a:cubicBezTo>
-                  <a:pt x="59" y="378"/>
-                  <a:pt x="69" y="369"/>
-                  <a:pt x="69" y="355"/>
-                </a:cubicBezTo>
-                <a:lnTo>
-                  <a:pt x="69" y="332"/>
-                </a:lnTo>
-                <a:lnTo>
-                  <a:pt x="356" y="332"/>
-                </a:lnTo>
-                <a:lnTo>
-                  <a:pt x="356" y="355"/>
-                </a:lnTo>
-                <a:cubicBezTo>
-                  <a:pt x="356" y="369"/>
-                  <a:pt x="365" y="378"/>
-                  <a:pt x="378" y="378"/>
-                </a:cubicBezTo>
-                <a:lnTo>
-                  <a:pt x="406" y="378"/>
-                </a:lnTo>
-                <a:cubicBezTo>
-                  <a:pt x="419" y="378"/>
-                  <a:pt x="429" y="369"/>
-                  <a:pt x="429" y="355"/>
-                </a:cubicBezTo>
-                <a:lnTo>
-                  <a:pt x="429" y="164"/>
-                </a:lnTo>
-                <a:lnTo>
-                  <a:pt x="378" y="22"/>
-                </a:lnTo>
-                <a:close/>
-                <a:moveTo>
-                  <a:pt x="82" y="259"/>
-                </a:moveTo>
-                <a:cubicBezTo>
-                  <a:pt x="64" y="259"/>
-                  <a:pt x="46" y="241"/>
-                  <a:pt x="46" y="223"/>
-                </a:cubicBezTo>
-                <a:cubicBezTo>
-                  <a:pt x="46" y="205"/>
-                  <a:pt x="64" y="186"/>
-                  <a:pt x="82" y="186"/>
-                </a:cubicBezTo>
-                <a:cubicBezTo>
-                  <a:pt x="100" y="186"/>
-                  <a:pt x="119" y="205"/>
-                  <a:pt x="119" y="223"/>
-                </a:cubicBezTo>
-                <a:cubicBezTo>
-                  <a:pt x="119" y="241"/>
-                  <a:pt x="100" y="259"/>
-                  <a:pt x="82" y="259"/>
-                </a:cubicBezTo>
-                <a:close/>
-                <a:moveTo>
-                  <a:pt x="346" y="259"/>
-                </a:moveTo>
-                <a:cubicBezTo>
-                  <a:pt x="324" y="259"/>
-                  <a:pt x="310" y="241"/>
-                  <a:pt x="310" y="223"/>
-                </a:cubicBezTo>
-                <a:cubicBezTo>
-                  <a:pt x="310" y="205"/>
-                  <a:pt x="326" y="186"/>
-                  <a:pt x="346" y="186"/>
-                </a:cubicBezTo>
-                <a:cubicBezTo>
-                  <a:pt x="367" y="186"/>
-                  <a:pt x="378" y="205"/>
-                  <a:pt x="378" y="223"/>
-                </a:cubicBezTo>
-                <a:cubicBezTo>
-                  <a:pt x="378" y="241"/>
-                  <a:pt x="365" y="259"/>
-                  <a:pt x="346" y="259"/>
-                </a:cubicBezTo>
-                <a:close/>
-                <a:moveTo>
-                  <a:pt x="46" y="141"/>
-                </a:moveTo>
-                <a:lnTo>
-                  <a:pt x="82" y="31"/>
-                </a:lnTo>
-                <a:lnTo>
-                  <a:pt x="346" y="31"/>
-                </a:lnTo>
-                <a:lnTo>
-                  <a:pt x="378" y="141"/>
-                </a:lnTo>
-                <a:lnTo>
-                  <a:pt x="46" y="141"/>
-                </a:lnTo>
-                <a:close/>
-              </a:path>
-            </a:pathLst>
-          </a:custGeom>
-          <a:solidFill>
-            <a:schemeClr val="accent3"/>
-          </a:solidFill>
-          <a:ln>
-            <a:noFill/>
-          </a:ln>
-          <a:effectLst/>
-        </p:spPr>
-        <p:txBody>
-          <a:bodyPr wrap="none" anchor="ctr"/>
-          <a:lstStyle/>
-          <a:p>
-            <a:endParaRPr lang="en-US"/>
-          </a:p>
-        </p:txBody>
-      </p:sp>
-      <p:sp>
-        <p:nvSpPr>
-          <p:cNvPr id="27" name="Freeform 35"/>
-          <p:cNvSpPr>
-            <a:spLocks noChangeArrowheads="1"/>
-          </p:cNvSpPr>
-          <p:nvPr/>
-        </p:nvSpPr>
-        <p:spPr bwMode="auto">
-          <a:xfrm>
-            <a:off x="4729958" y="2728163"/>
-            <a:ext cx="428004" cy="424523"/>
-          </a:xfrm>
-          <a:custGeom>
-            <a:avLst/>
-            <a:gdLst>
-              <a:gd name="T0" fmla="*/ 267 w 541"/>
-              <a:gd name="T1" fmla="*/ 0 h 540"/>
-              <a:gd name="T2" fmla="*/ 0 w 541"/>
-              <a:gd name="T3" fmla="*/ 272 h 540"/>
-              <a:gd name="T4" fmla="*/ 267 w 541"/>
-              <a:gd name="T5" fmla="*/ 539 h 540"/>
-              <a:gd name="T6" fmla="*/ 540 w 541"/>
-              <a:gd name="T7" fmla="*/ 272 h 540"/>
-              <a:gd name="T8" fmla="*/ 267 w 541"/>
-              <a:gd name="T9" fmla="*/ 0 h 540"/>
-              <a:gd name="T10" fmla="*/ 242 w 541"/>
-              <a:gd name="T11" fmla="*/ 483 h 540"/>
-              <a:gd name="T12" fmla="*/ 52 w 541"/>
-              <a:gd name="T13" fmla="*/ 272 h 540"/>
-              <a:gd name="T14" fmla="*/ 57 w 541"/>
-              <a:gd name="T15" fmla="*/ 221 h 540"/>
-              <a:gd name="T16" fmla="*/ 190 w 541"/>
-              <a:gd name="T17" fmla="*/ 349 h 540"/>
-              <a:gd name="T18" fmla="*/ 190 w 541"/>
-              <a:gd name="T19" fmla="*/ 375 h 540"/>
-              <a:gd name="T20" fmla="*/ 242 w 541"/>
-              <a:gd name="T21" fmla="*/ 431 h 540"/>
-              <a:gd name="T22" fmla="*/ 242 w 541"/>
-              <a:gd name="T23" fmla="*/ 483 h 540"/>
-              <a:gd name="T24" fmla="*/ 427 w 541"/>
-              <a:gd name="T25" fmla="*/ 416 h 540"/>
-              <a:gd name="T26" fmla="*/ 375 w 541"/>
-              <a:gd name="T27" fmla="*/ 375 h 540"/>
-              <a:gd name="T28" fmla="*/ 350 w 541"/>
-              <a:gd name="T29" fmla="*/ 375 h 540"/>
-              <a:gd name="T30" fmla="*/ 350 w 541"/>
-              <a:gd name="T31" fmla="*/ 298 h 540"/>
-              <a:gd name="T32" fmla="*/ 324 w 541"/>
-              <a:gd name="T33" fmla="*/ 272 h 540"/>
-              <a:gd name="T34" fmla="*/ 160 w 541"/>
-              <a:gd name="T35" fmla="*/ 272 h 540"/>
-              <a:gd name="T36" fmla="*/ 160 w 541"/>
-              <a:gd name="T37" fmla="*/ 215 h 540"/>
-              <a:gd name="T38" fmla="*/ 216 w 541"/>
-              <a:gd name="T39" fmla="*/ 215 h 540"/>
-              <a:gd name="T40" fmla="*/ 242 w 541"/>
-              <a:gd name="T41" fmla="*/ 190 h 540"/>
-              <a:gd name="T42" fmla="*/ 242 w 541"/>
-              <a:gd name="T43" fmla="*/ 133 h 540"/>
-              <a:gd name="T44" fmla="*/ 293 w 541"/>
-              <a:gd name="T45" fmla="*/ 133 h 540"/>
-              <a:gd name="T46" fmla="*/ 350 w 541"/>
-              <a:gd name="T47" fmla="*/ 82 h 540"/>
-              <a:gd name="T48" fmla="*/ 350 w 541"/>
-              <a:gd name="T49" fmla="*/ 72 h 540"/>
-              <a:gd name="T50" fmla="*/ 483 w 541"/>
-              <a:gd name="T51" fmla="*/ 272 h 540"/>
-              <a:gd name="T52" fmla="*/ 427 w 541"/>
-              <a:gd name="T53" fmla="*/ 416 h 540"/>
-            </a:gdLst>
-            <a:ahLst/>
-            <a:cxnLst>
-              <a:cxn ang="0">
-                <a:pos x="T0" y="T1"/>
-              </a:cxn>
-              <a:cxn ang="0">
-                <a:pos x="T2" y="T3"/>
-              </a:cxn>
-              <a:cxn ang="0">
-                <a:pos x="T4" y="T5"/>
-              </a:cxn>
-              <a:cxn ang="0">
-                <a:pos x="T6" y="T7"/>
-              </a:cxn>
-              <a:cxn ang="0">
-                <a:pos x="T8" y="T9"/>
-              </a:cxn>
-              <a:cxn ang="0">
-                <a:pos x="T10" y="T11"/>
-              </a:cxn>
-              <a:cxn ang="0">
-                <a:pos x="T12" y="T13"/>
-              </a:cxn>
-              <a:cxn ang="0">
-                <a:pos x="T14" y="T15"/>
-              </a:cxn>
-              <a:cxn ang="0">
-                <a:pos x="T16" y="T17"/>
-              </a:cxn>
-              <a:cxn ang="0">
-                <a:pos x="T18" y="T19"/>
-              </a:cxn>
-              <a:cxn ang="0">
-                <a:pos x="T20" y="T21"/>
-              </a:cxn>
-              <a:cxn ang="0">
-                <a:pos x="T22" y="T23"/>
-              </a:cxn>
-              <a:cxn ang="0">
-                <a:pos x="T24" y="T25"/>
-              </a:cxn>
-              <a:cxn ang="0">
-                <a:pos x="T26" y="T27"/>
-              </a:cxn>
-              <a:cxn ang="0">
-                <a:pos x="T28" y="T29"/>
-              </a:cxn>
-              <a:cxn ang="0">
-                <a:pos x="T30" y="T31"/>
-              </a:cxn>
-              <a:cxn ang="0">
-                <a:pos x="T32" y="T33"/>
-              </a:cxn>
-              <a:cxn ang="0">
-                <a:pos x="T34" y="T35"/>
-              </a:cxn>
-              <a:cxn ang="0">
-                <a:pos x="T36" y="T37"/>
-              </a:cxn>
-              <a:cxn ang="0">
-                <a:pos x="T38" y="T39"/>
-              </a:cxn>
-              <a:cxn ang="0">
-                <a:pos x="T40" y="T41"/>
-              </a:cxn>
-              <a:cxn ang="0">
-                <a:pos x="T42" y="T43"/>
-              </a:cxn>
-              <a:cxn ang="0">
-                <a:pos x="T44" y="T45"/>
-              </a:cxn>
-              <a:cxn ang="0">
-                <a:pos x="T46" y="T47"/>
-              </a:cxn>
-              <a:cxn ang="0">
-                <a:pos x="T48" y="T49"/>
-              </a:cxn>
-              <a:cxn ang="0">
-                <a:pos x="T50" y="T51"/>
-              </a:cxn>
-              <a:cxn ang="0">
-                <a:pos x="T52" y="T53"/>
-              </a:cxn>
-            </a:cxnLst>
-            <a:rect l="0" t="0" r="r" b="b"/>
-            <a:pathLst>
-              <a:path w="541" h="540">
-                <a:moveTo>
-                  <a:pt x="267" y="0"/>
-                </a:moveTo>
-                <a:cubicBezTo>
-                  <a:pt x="118" y="0"/>
-                  <a:pt x="0" y="126"/>
-                  <a:pt x="0" y="272"/>
-                </a:cubicBezTo>
-                <a:cubicBezTo>
-                  <a:pt x="0" y="418"/>
-                  <a:pt x="118" y="539"/>
-                  <a:pt x="267" y="539"/>
-                </a:cubicBezTo>
-                <a:cubicBezTo>
-                  <a:pt x="417" y="539"/>
-                  <a:pt x="540" y="418"/>
-                  <a:pt x="540" y="272"/>
-                </a:cubicBezTo>
-                <a:cubicBezTo>
-                  <a:pt x="540" y="126"/>
-                  <a:pt x="417" y="0"/>
-                  <a:pt x="267" y="0"/>
-                </a:cubicBezTo>
-                <a:close/>
-                <a:moveTo>
-                  <a:pt x="242" y="483"/>
-                </a:moveTo>
-                <a:cubicBezTo>
-                  <a:pt x="139" y="467"/>
-                  <a:pt x="52" y="375"/>
-                  <a:pt x="52" y="272"/>
-                </a:cubicBezTo>
-                <a:cubicBezTo>
-                  <a:pt x="52" y="251"/>
-                  <a:pt x="57" y="236"/>
-                  <a:pt x="57" y="221"/>
-                </a:cubicBezTo>
-                <a:lnTo>
-                  <a:pt x="190" y="349"/>
-                </a:lnTo>
-                <a:lnTo>
-                  <a:pt x="190" y="375"/>
-                </a:lnTo>
-                <a:cubicBezTo>
-                  <a:pt x="190" y="406"/>
-                  <a:pt x="211" y="431"/>
-                  <a:pt x="242" y="431"/>
-                </a:cubicBezTo>
-                <a:lnTo>
-                  <a:pt x="242" y="483"/>
-                </a:lnTo>
-                <a:close/>
-                <a:moveTo>
-                  <a:pt x="427" y="416"/>
-                </a:moveTo>
-                <a:cubicBezTo>
-                  <a:pt x="422" y="395"/>
-                  <a:pt x="401" y="375"/>
-                  <a:pt x="375" y="375"/>
-                </a:cubicBezTo>
-                <a:lnTo>
-                  <a:pt x="350" y="375"/>
-                </a:lnTo>
-                <a:lnTo>
-                  <a:pt x="350" y="298"/>
-                </a:lnTo>
-                <a:cubicBezTo>
-                  <a:pt x="350" y="282"/>
-                  <a:pt x="339" y="272"/>
-                  <a:pt x="324" y="272"/>
-                </a:cubicBezTo>
-                <a:lnTo>
-                  <a:pt x="160" y="272"/>
-                </a:lnTo>
-                <a:lnTo>
-                  <a:pt x="160" y="215"/>
-                </a:lnTo>
-                <a:lnTo>
-                  <a:pt x="216" y="215"/>
-                </a:lnTo>
-                <a:cubicBezTo>
-                  <a:pt x="232" y="215"/>
-                  <a:pt x="242" y="205"/>
-                  <a:pt x="242" y="190"/>
-                </a:cubicBezTo>
-                <a:lnTo>
-                  <a:pt x="242" y="133"/>
-                </a:lnTo>
-                <a:lnTo>
-                  <a:pt x="293" y="133"/>
-                </a:lnTo>
-                <a:cubicBezTo>
-                  <a:pt x="324" y="133"/>
-                  <a:pt x="350" y="113"/>
-                  <a:pt x="350" y="82"/>
-                </a:cubicBezTo>
-                <a:lnTo>
-                  <a:pt x="350" y="72"/>
-                </a:lnTo>
-                <a:cubicBezTo>
-                  <a:pt x="427" y="102"/>
-                  <a:pt x="483" y="179"/>
-                  <a:pt x="483" y="272"/>
-                </a:cubicBezTo>
-                <a:cubicBezTo>
-                  <a:pt x="483" y="329"/>
-                  <a:pt x="463" y="375"/>
-                  <a:pt x="427" y="416"/>
-                </a:cubicBezTo>
-                <a:close/>
-              </a:path>
-            </a:pathLst>
-          </a:custGeom>
-          <a:solidFill>
-            <a:schemeClr val="accent3"/>
-          </a:solidFill>
-          <a:ln>
-            <a:noFill/>
-          </a:ln>
-          <a:effectLst/>
-        </p:spPr>
-        <p:txBody>
-          <a:bodyPr wrap="none" anchor="ctr"/>
-          <a:lstStyle/>
-          <a:p>
-            <a:endParaRPr lang="en-US"/>
-          </a:p>
-        </p:txBody>
-      </p:sp>
-      <p:sp>
-        <p:nvSpPr>
           <p:cNvPr id="29" name="Rectangle 28"/>
           <p:cNvSpPr/>
           <p:nvPr/>
@@ -29288,510 +28671,6 @@
           </a:p>
         </p:txBody>
       </p:sp>
-      <p:sp>
-        <p:nvSpPr>
-          <p:cNvPr id="49" name="Freeform 48"/>
-          <p:cNvSpPr>
-            <a:spLocks noChangeArrowheads="1"/>
-          </p:cNvSpPr>
-          <p:nvPr/>
-        </p:nvSpPr>
-        <p:spPr bwMode="auto">
-          <a:xfrm>
-            <a:off x="968812" y="4445822"/>
-            <a:ext cx="325913" cy="340863"/>
-          </a:xfrm>
-          <a:custGeom>
-            <a:avLst/>
-            <a:gdLst>
-              <a:gd name="T0" fmla="*/ 239 w 479"/>
-              <a:gd name="T1" fmla="*/ 0 h 504"/>
-              <a:gd name="T2" fmla="*/ 0 w 479"/>
-              <a:gd name="T3" fmla="*/ 239 h 504"/>
-              <a:gd name="T4" fmla="*/ 0 w 479"/>
-              <a:gd name="T5" fmla="*/ 422 h 504"/>
-              <a:gd name="T6" fmla="*/ 76 w 479"/>
-              <a:gd name="T7" fmla="*/ 503 h 504"/>
-              <a:gd name="T8" fmla="*/ 158 w 479"/>
-              <a:gd name="T9" fmla="*/ 503 h 504"/>
-              <a:gd name="T10" fmla="*/ 158 w 479"/>
-              <a:gd name="T11" fmla="*/ 290 h 504"/>
-              <a:gd name="T12" fmla="*/ 51 w 479"/>
-              <a:gd name="T13" fmla="*/ 290 h 504"/>
-              <a:gd name="T14" fmla="*/ 51 w 479"/>
-              <a:gd name="T15" fmla="*/ 239 h 504"/>
-              <a:gd name="T16" fmla="*/ 239 w 479"/>
-              <a:gd name="T17" fmla="*/ 51 h 504"/>
-              <a:gd name="T18" fmla="*/ 422 w 479"/>
-              <a:gd name="T19" fmla="*/ 239 h 504"/>
-              <a:gd name="T20" fmla="*/ 422 w 479"/>
-              <a:gd name="T21" fmla="*/ 290 h 504"/>
-              <a:gd name="T22" fmla="*/ 315 w 479"/>
-              <a:gd name="T23" fmla="*/ 290 h 504"/>
-              <a:gd name="T24" fmla="*/ 315 w 479"/>
-              <a:gd name="T25" fmla="*/ 503 h 504"/>
-              <a:gd name="T26" fmla="*/ 397 w 479"/>
-              <a:gd name="T27" fmla="*/ 503 h 504"/>
-              <a:gd name="T28" fmla="*/ 478 w 479"/>
-              <a:gd name="T29" fmla="*/ 422 h 504"/>
-              <a:gd name="T30" fmla="*/ 478 w 479"/>
-              <a:gd name="T31" fmla="*/ 239 h 504"/>
-              <a:gd name="T32" fmla="*/ 239 w 479"/>
-              <a:gd name="T33" fmla="*/ 0 h 504"/>
-            </a:gdLst>
-            <a:ahLst/>
-            <a:cxnLst>
-              <a:cxn ang="0">
-                <a:pos x="T0" y="T1"/>
-              </a:cxn>
-              <a:cxn ang="0">
-                <a:pos x="T2" y="T3"/>
-              </a:cxn>
-              <a:cxn ang="0">
-                <a:pos x="T4" y="T5"/>
-              </a:cxn>
-              <a:cxn ang="0">
-                <a:pos x="T6" y="T7"/>
-              </a:cxn>
-              <a:cxn ang="0">
-                <a:pos x="T8" y="T9"/>
-              </a:cxn>
-              <a:cxn ang="0">
-                <a:pos x="T10" y="T11"/>
-              </a:cxn>
-              <a:cxn ang="0">
-                <a:pos x="T12" y="T13"/>
-              </a:cxn>
-              <a:cxn ang="0">
-                <a:pos x="T14" y="T15"/>
-              </a:cxn>
-              <a:cxn ang="0">
-                <a:pos x="T16" y="T17"/>
-              </a:cxn>
-              <a:cxn ang="0">
-                <a:pos x="T18" y="T19"/>
-              </a:cxn>
-              <a:cxn ang="0">
-                <a:pos x="T20" y="T21"/>
-              </a:cxn>
-              <a:cxn ang="0">
-                <a:pos x="T22" y="T23"/>
-              </a:cxn>
-              <a:cxn ang="0">
-                <a:pos x="T24" y="T25"/>
-              </a:cxn>
-              <a:cxn ang="0">
-                <a:pos x="T26" y="T27"/>
-              </a:cxn>
-              <a:cxn ang="0">
-                <a:pos x="T28" y="T29"/>
-              </a:cxn>
-              <a:cxn ang="0">
-                <a:pos x="T30" y="T31"/>
-              </a:cxn>
-              <a:cxn ang="0">
-                <a:pos x="T32" y="T33"/>
-              </a:cxn>
-            </a:cxnLst>
-            <a:rect l="0" t="0" r="r" b="b"/>
-            <a:pathLst>
-              <a:path w="479" h="504">
-                <a:moveTo>
-                  <a:pt x="239" y="0"/>
-                </a:moveTo>
-                <a:cubicBezTo>
-                  <a:pt x="102" y="0"/>
-                  <a:pt x="0" y="102"/>
-                  <a:pt x="0" y="239"/>
-                </a:cubicBezTo>
-                <a:lnTo>
-                  <a:pt x="0" y="422"/>
-                </a:lnTo>
-                <a:cubicBezTo>
-                  <a:pt x="0" y="467"/>
-                  <a:pt x="31" y="503"/>
-                  <a:pt x="76" y="503"/>
-                </a:cubicBezTo>
-                <a:lnTo>
-                  <a:pt x="158" y="503"/>
-                </a:lnTo>
-                <a:lnTo>
-                  <a:pt x="158" y="290"/>
-                </a:lnTo>
-                <a:lnTo>
-                  <a:pt x="51" y="290"/>
-                </a:lnTo>
-                <a:lnTo>
-                  <a:pt x="51" y="239"/>
-                </a:lnTo>
-                <a:cubicBezTo>
-                  <a:pt x="51" y="132"/>
-                  <a:pt x="135" y="51"/>
-                  <a:pt x="239" y="51"/>
-                </a:cubicBezTo>
-                <a:cubicBezTo>
-                  <a:pt x="343" y="51"/>
-                  <a:pt x="422" y="132"/>
-                  <a:pt x="422" y="239"/>
-                </a:cubicBezTo>
-                <a:lnTo>
-                  <a:pt x="422" y="290"/>
-                </a:lnTo>
-                <a:lnTo>
-                  <a:pt x="315" y="290"/>
-                </a:lnTo>
-                <a:lnTo>
-                  <a:pt x="315" y="503"/>
-                </a:lnTo>
-                <a:lnTo>
-                  <a:pt x="397" y="503"/>
-                </a:lnTo>
-                <a:cubicBezTo>
-                  <a:pt x="442" y="503"/>
-                  <a:pt x="478" y="467"/>
-                  <a:pt x="478" y="422"/>
-                </a:cubicBezTo>
-                <a:lnTo>
-                  <a:pt x="478" y="239"/>
-                </a:lnTo>
-                <a:cubicBezTo>
-                  <a:pt x="478" y="102"/>
-                  <a:pt x="371" y="0"/>
-                  <a:pt x="239" y="0"/>
-                </a:cubicBezTo>
-              </a:path>
-            </a:pathLst>
-          </a:custGeom>
-          <a:solidFill>
-            <a:schemeClr val="accent3"/>
-          </a:solidFill>
-          <a:ln>
-            <a:noFill/>
-          </a:ln>
-          <a:effectLst/>
-        </p:spPr>
-        <p:txBody>
-          <a:bodyPr wrap="none" anchor="ctr"/>
-          <a:lstStyle/>
-          <a:p>
-            <a:endParaRPr lang="en-US" dirty="0"/>
-          </a:p>
-        </p:txBody>
-      </p:sp>
-      <p:sp>
-        <p:nvSpPr>
-          <p:cNvPr id="50" name="Freeform 49"/>
-          <p:cNvSpPr>
-            <a:spLocks noChangeArrowheads="1"/>
-          </p:cNvSpPr>
-          <p:nvPr/>
-        </p:nvSpPr>
-        <p:spPr bwMode="auto">
-          <a:xfrm>
-            <a:off x="4700573" y="4445822"/>
-            <a:ext cx="486773" cy="324516"/>
-          </a:xfrm>
-          <a:custGeom>
-            <a:avLst/>
-            <a:gdLst>
-              <a:gd name="T0" fmla="*/ 528 w 636"/>
-              <a:gd name="T1" fmla="*/ 371 h 423"/>
-              <a:gd name="T2" fmla="*/ 584 w 636"/>
-              <a:gd name="T3" fmla="*/ 315 h 423"/>
-              <a:gd name="T4" fmla="*/ 584 w 636"/>
-              <a:gd name="T5" fmla="*/ 51 h 423"/>
-              <a:gd name="T6" fmla="*/ 528 w 636"/>
-              <a:gd name="T7" fmla="*/ 0 h 423"/>
-              <a:gd name="T8" fmla="*/ 107 w 636"/>
-              <a:gd name="T9" fmla="*/ 0 h 423"/>
-              <a:gd name="T10" fmla="*/ 51 w 636"/>
-              <a:gd name="T11" fmla="*/ 51 h 423"/>
-              <a:gd name="T12" fmla="*/ 51 w 636"/>
-              <a:gd name="T13" fmla="*/ 315 h 423"/>
-              <a:gd name="T14" fmla="*/ 107 w 636"/>
-              <a:gd name="T15" fmla="*/ 371 h 423"/>
-              <a:gd name="T16" fmla="*/ 0 w 636"/>
-              <a:gd name="T17" fmla="*/ 371 h 423"/>
-              <a:gd name="T18" fmla="*/ 0 w 636"/>
-              <a:gd name="T19" fmla="*/ 422 h 423"/>
-              <a:gd name="T20" fmla="*/ 635 w 636"/>
-              <a:gd name="T21" fmla="*/ 422 h 423"/>
-              <a:gd name="T22" fmla="*/ 635 w 636"/>
-              <a:gd name="T23" fmla="*/ 371 h 423"/>
-              <a:gd name="T24" fmla="*/ 528 w 636"/>
-              <a:gd name="T25" fmla="*/ 371 h 423"/>
-              <a:gd name="T26" fmla="*/ 107 w 636"/>
-              <a:gd name="T27" fmla="*/ 51 h 423"/>
-              <a:gd name="T28" fmla="*/ 528 w 636"/>
-              <a:gd name="T29" fmla="*/ 51 h 423"/>
-              <a:gd name="T30" fmla="*/ 528 w 636"/>
-              <a:gd name="T31" fmla="*/ 315 h 423"/>
-              <a:gd name="T32" fmla="*/ 107 w 636"/>
-              <a:gd name="T33" fmla="*/ 315 h 423"/>
-              <a:gd name="T34" fmla="*/ 107 w 636"/>
-              <a:gd name="T35" fmla="*/ 51 h 423"/>
-            </a:gdLst>
-            <a:ahLst/>
-            <a:cxnLst>
-              <a:cxn ang="0">
-                <a:pos x="T0" y="T1"/>
-              </a:cxn>
-              <a:cxn ang="0">
-                <a:pos x="T2" y="T3"/>
-              </a:cxn>
-              <a:cxn ang="0">
-                <a:pos x="T4" y="T5"/>
-              </a:cxn>
-              <a:cxn ang="0">
-                <a:pos x="T6" y="T7"/>
-              </a:cxn>
-              <a:cxn ang="0">
-                <a:pos x="T8" y="T9"/>
-              </a:cxn>
-              <a:cxn ang="0">
-                <a:pos x="T10" y="T11"/>
-              </a:cxn>
-              <a:cxn ang="0">
-                <a:pos x="T12" y="T13"/>
-              </a:cxn>
-              <a:cxn ang="0">
-                <a:pos x="T14" y="T15"/>
-              </a:cxn>
-              <a:cxn ang="0">
-                <a:pos x="T16" y="T17"/>
-              </a:cxn>
-              <a:cxn ang="0">
-                <a:pos x="T18" y="T19"/>
-              </a:cxn>
-              <a:cxn ang="0">
-                <a:pos x="T20" y="T21"/>
-              </a:cxn>
-              <a:cxn ang="0">
-                <a:pos x="T22" y="T23"/>
-              </a:cxn>
-              <a:cxn ang="0">
-                <a:pos x="T24" y="T25"/>
-              </a:cxn>
-              <a:cxn ang="0">
-                <a:pos x="T26" y="T27"/>
-              </a:cxn>
-              <a:cxn ang="0">
-                <a:pos x="T28" y="T29"/>
-              </a:cxn>
-              <a:cxn ang="0">
-                <a:pos x="T30" y="T31"/>
-              </a:cxn>
-              <a:cxn ang="0">
-                <a:pos x="T32" y="T33"/>
-              </a:cxn>
-              <a:cxn ang="0">
-                <a:pos x="T34" y="T35"/>
-              </a:cxn>
-            </a:cxnLst>
-            <a:rect l="0" t="0" r="r" b="b"/>
-            <a:pathLst>
-              <a:path w="636" h="423">
-                <a:moveTo>
-                  <a:pt x="528" y="371"/>
-                </a:moveTo>
-                <a:cubicBezTo>
-                  <a:pt x="559" y="371"/>
-                  <a:pt x="584" y="346"/>
-                  <a:pt x="584" y="315"/>
-                </a:cubicBezTo>
-                <a:lnTo>
-                  <a:pt x="584" y="51"/>
-                </a:lnTo>
-                <a:cubicBezTo>
-                  <a:pt x="584" y="21"/>
-                  <a:pt x="559" y="0"/>
-                  <a:pt x="528" y="0"/>
-                </a:cubicBezTo>
-                <a:lnTo>
-                  <a:pt x="107" y="0"/>
-                </a:lnTo>
-                <a:cubicBezTo>
-                  <a:pt x="76" y="0"/>
-                  <a:pt x="51" y="21"/>
-                  <a:pt x="51" y="51"/>
-                </a:cubicBezTo>
-                <a:lnTo>
-                  <a:pt x="51" y="315"/>
-                </a:lnTo>
-                <a:cubicBezTo>
-                  <a:pt x="51" y="346"/>
-                  <a:pt x="76" y="371"/>
-                  <a:pt x="107" y="371"/>
-                </a:cubicBezTo>
-                <a:lnTo>
-                  <a:pt x="0" y="371"/>
-                </a:lnTo>
-                <a:lnTo>
-                  <a:pt x="0" y="422"/>
-                </a:lnTo>
-                <a:lnTo>
-                  <a:pt x="635" y="422"/>
-                </a:lnTo>
-                <a:lnTo>
-                  <a:pt x="635" y="371"/>
-                </a:lnTo>
-                <a:lnTo>
-                  <a:pt x="528" y="371"/>
-                </a:lnTo>
-                <a:close/>
-                <a:moveTo>
-                  <a:pt x="107" y="51"/>
-                </a:moveTo>
-                <a:lnTo>
-                  <a:pt x="528" y="51"/>
-                </a:lnTo>
-                <a:lnTo>
-                  <a:pt x="528" y="315"/>
-                </a:lnTo>
-                <a:lnTo>
-                  <a:pt x="107" y="315"/>
-                </a:lnTo>
-                <a:lnTo>
-                  <a:pt x="107" y="51"/>
-                </a:lnTo>
-                <a:close/>
-              </a:path>
-            </a:pathLst>
-          </a:custGeom>
-          <a:solidFill>
-            <a:schemeClr val="accent3"/>
-          </a:solidFill>
-          <a:ln>
-            <a:noFill/>
-          </a:ln>
-          <a:effectLst/>
-        </p:spPr>
-        <p:txBody>
-          <a:bodyPr wrap="none" anchor="ctr"/>
-          <a:lstStyle/>
-          <a:p>
-            <a:endParaRPr lang="en-US"/>
-          </a:p>
-        </p:txBody>
-      </p:sp>
-      <p:sp>
-        <p:nvSpPr>
-          <p:cNvPr id="51" name="Freeform 50"/>
-          <p:cNvSpPr>
-            <a:spLocks noChangeArrowheads="1"/>
-          </p:cNvSpPr>
-          <p:nvPr/>
-        </p:nvSpPr>
-        <p:spPr bwMode="auto">
-          <a:xfrm>
-            <a:off x="8429022" y="4440664"/>
-            <a:ext cx="466279" cy="310852"/>
-          </a:xfrm>
-          <a:custGeom>
-            <a:avLst/>
-            <a:gdLst>
-              <a:gd name="T0" fmla="*/ 437 w 541"/>
-              <a:gd name="T1" fmla="*/ 137 h 361"/>
-              <a:gd name="T2" fmla="*/ 270 w 541"/>
-              <a:gd name="T3" fmla="*/ 0 h 361"/>
-              <a:gd name="T4" fmla="*/ 124 w 541"/>
-              <a:gd name="T5" fmla="*/ 90 h 361"/>
-              <a:gd name="T6" fmla="*/ 0 w 541"/>
-              <a:gd name="T7" fmla="*/ 227 h 361"/>
-              <a:gd name="T8" fmla="*/ 137 w 541"/>
-              <a:gd name="T9" fmla="*/ 360 h 361"/>
-              <a:gd name="T10" fmla="*/ 428 w 541"/>
-              <a:gd name="T11" fmla="*/ 360 h 361"/>
-              <a:gd name="T12" fmla="*/ 540 w 541"/>
-              <a:gd name="T13" fmla="*/ 249 h 361"/>
-              <a:gd name="T14" fmla="*/ 437 w 541"/>
-              <a:gd name="T15" fmla="*/ 137 h 361"/>
-            </a:gdLst>
-            <a:ahLst/>
-            <a:cxnLst>
-              <a:cxn ang="0">
-                <a:pos x="T0" y="T1"/>
-              </a:cxn>
-              <a:cxn ang="0">
-                <a:pos x="T2" y="T3"/>
-              </a:cxn>
-              <a:cxn ang="0">
-                <a:pos x="T4" y="T5"/>
-              </a:cxn>
-              <a:cxn ang="0">
-                <a:pos x="T6" y="T7"/>
-              </a:cxn>
-              <a:cxn ang="0">
-                <a:pos x="T8" y="T9"/>
-              </a:cxn>
-              <a:cxn ang="0">
-                <a:pos x="T10" y="T11"/>
-              </a:cxn>
-              <a:cxn ang="0">
-                <a:pos x="T12" y="T13"/>
-              </a:cxn>
-              <a:cxn ang="0">
-                <a:pos x="T14" y="T15"/>
-              </a:cxn>
-            </a:cxnLst>
-            <a:rect l="0" t="0" r="r" b="b"/>
-            <a:pathLst>
-              <a:path w="541" h="361">
-                <a:moveTo>
-                  <a:pt x="437" y="137"/>
-                </a:moveTo>
-                <a:cubicBezTo>
-                  <a:pt x="420" y="60"/>
-                  <a:pt x="351" y="0"/>
-                  <a:pt x="270" y="0"/>
-                </a:cubicBezTo>
-                <a:cubicBezTo>
-                  <a:pt x="206" y="0"/>
-                  <a:pt x="150" y="39"/>
-                  <a:pt x="124" y="90"/>
-                </a:cubicBezTo>
-                <a:cubicBezTo>
-                  <a:pt x="51" y="99"/>
-                  <a:pt x="0" y="155"/>
-                  <a:pt x="0" y="227"/>
-                </a:cubicBezTo>
-                <a:cubicBezTo>
-                  <a:pt x="0" y="300"/>
-                  <a:pt x="60" y="360"/>
-                  <a:pt x="137" y="360"/>
-                </a:cubicBezTo>
-                <a:lnTo>
-                  <a:pt x="428" y="360"/>
-                </a:lnTo>
-                <a:cubicBezTo>
-                  <a:pt x="488" y="360"/>
-                  <a:pt x="540" y="313"/>
-                  <a:pt x="540" y="249"/>
-                </a:cubicBezTo>
-                <a:cubicBezTo>
-                  <a:pt x="540" y="189"/>
-                  <a:pt x="493" y="142"/>
-                  <a:pt x="437" y="137"/>
-                </a:cubicBezTo>
-              </a:path>
-            </a:pathLst>
-          </a:custGeom>
-          <a:solidFill>
-            <a:schemeClr val="accent3"/>
-          </a:solidFill>
-          <a:ln>
-            <a:noFill/>
-          </a:ln>
-          <a:effectLst/>
-        </p:spPr>
-        <p:txBody>
-          <a:bodyPr wrap="none" anchor="ctr"/>
-          <a:lstStyle/>
-          <a:p>
-            <a:endParaRPr lang="en-US"/>
-          </a:p>
-        </p:txBody>
-      </p:sp>
       <p:pic>
         <p:nvPicPr>
           <p:cNvPr id="6" name="Picture 5" descr="A close up of a logo&#10;&#10;Description generated with very high confidence">
@@ -29828,7 +28707,258 @@
         <p:spPr>
           <a:xfrm>
             <a:off x="8365385" y="2678709"/>
-            <a:ext cx="523428" cy="523428"/>
+            <a:ext cx="522000" cy="522000"/>
+          </a:xfrm>
+          <a:prstGeom prst="rect">
+            <a:avLst/>
+          </a:prstGeom>
+        </p:spPr>
+      </p:pic>
+      <p:pic>
+        <p:nvPicPr>
+          <p:cNvPr id="7" name="Picture 6">
+            <a:extLst>
+              <a:ext uri="{FF2B5EF4-FFF2-40B4-BE49-F238E27FC236}">
+                <a16:creationId xmlns:a16="http://schemas.microsoft.com/office/drawing/2014/main" id="{106C82A4-776A-6E48-B68A-023DBA79A8E6}"/>
+              </a:ext>
+            </a:extLst>
+          </p:cNvPr>
+          <p:cNvPicPr>
+            <a:picLocks noChangeAspect="1"/>
+          </p:cNvPicPr>
+          <p:nvPr/>
+        </p:nvPicPr>
+        <p:blipFill>
+          <a:blip r:embed="rId4">
+            <a:duotone>
+              <a:schemeClr val="accent4">
+                <a:shade val="45000"/>
+                <a:satMod val="135000"/>
+              </a:schemeClr>
+              <a:prstClr val="white"/>
+            </a:duotone>
+            <a:extLst>
+              <a:ext uri="{28A0092B-C50C-407E-A947-70E740481C1C}">
+                <a14:useLocalDpi xmlns:a14="http://schemas.microsoft.com/office/drawing/2010/main" val="0"/>
+              </a:ext>
+            </a:extLst>
+          </a:blip>
+          <a:stretch>
+            <a:fillRect/>
+          </a:stretch>
+        </p:blipFill>
+        <p:spPr>
+          <a:xfrm>
+            <a:off x="805132" y="4358282"/>
+            <a:ext cx="522000" cy="522000"/>
+          </a:xfrm>
+          <a:prstGeom prst="rect">
+            <a:avLst/>
+          </a:prstGeom>
+        </p:spPr>
+      </p:pic>
+      <p:pic>
+        <p:nvPicPr>
+          <p:cNvPr id="9" name="Picture 8">
+            <a:extLst>
+              <a:ext uri="{FF2B5EF4-FFF2-40B4-BE49-F238E27FC236}">
+                <a16:creationId xmlns:a16="http://schemas.microsoft.com/office/drawing/2014/main" id="{395CC6C3-9D13-8047-9738-9DE9266A09AD}"/>
+              </a:ext>
+            </a:extLst>
+          </p:cNvPr>
+          <p:cNvPicPr>
+            <a:picLocks noChangeAspect="1"/>
+          </p:cNvPicPr>
+          <p:nvPr/>
+        </p:nvPicPr>
+        <p:blipFill>
+          <a:blip r:embed="rId5">
+            <a:duotone>
+              <a:schemeClr val="accent3">
+                <a:shade val="45000"/>
+                <a:satMod val="135000"/>
+              </a:schemeClr>
+              <a:prstClr val="white"/>
+            </a:duotone>
+            <a:extLst>
+              <a:ext uri="{BEBA8EAE-BF5A-486C-A8C5-ECC9F3942E4B}">
+                <a14:imgProps xmlns:a14="http://schemas.microsoft.com/office/drawing/2010/main">
+                  <a14:imgLayer>
+                    <a14:imgEffect>
+                      <a14:sharpenSoften amount="3000"/>
+                    </a14:imgEffect>
+                    <a14:imgEffect>
+                      <a14:saturation sat="400000"/>
+                    </a14:imgEffect>
+                    <a14:imgEffect>
+                      <a14:brightnessContrast bright="-75000"/>
+                    </a14:imgEffect>
+                  </a14:imgLayer>
+                </a14:imgProps>
+              </a:ext>
+              <a:ext uri="{28A0092B-C50C-407E-A947-70E740481C1C}">
+                <a14:useLocalDpi xmlns:a14="http://schemas.microsoft.com/office/drawing/2010/main" val="0"/>
+              </a:ext>
+            </a:extLst>
+          </a:blip>
+          <a:stretch>
+            <a:fillRect/>
+          </a:stretch>
+        </p:blipFill>
+        <p:spPr>
+          <a:xfrm>
+            <a:off x="805132" y="2678709"/>
+            <a:ext cx="522000" cy="522000"/>
+          </a:xfrm>
+          <a:prstGeom prst="rect">
+            <a:avLst/>
+          </a:prstGeom>
+        </p:spPr>
+      </p:pic>
+      <p:pic>
+        <p:nvPicPr>
+          <p:cNvPr id="11" name="Picture 10">
+            <a:extLst>
+              <a:ext uri="{FF2B5EF4-FFF2-40B4-BE49-F238E27FC236}">
+                <a16:creationId xmlns:a16="http://schemas.microsoft.com/office/drawing/2014/main" id="{4A8DBBB1-7A2C-914A-A7B3-D5AE6C43CBD2}"/>
+              </a:ext>
+            </a:extLst>
+          </p:cNvPr>
+          <p:cNvPicPr>
+            <a:picLocks noChangeAspect="1"/>
+          </p:cNvPicPr>
+          <p:nvPr/>
+        </p:nvPicPr>
+        <p:blipFill>
+          <a:blip r:embed="rId6">
+            <a:duotone>
+              <a:schemeClr val="accent4">
+                <a:shade val="45000"/>
+                <a:satMod val="135000"/>
+              </a:schemeClr>
+              <a:prstClr val="white"/>
+            </a:duotone>
+            <a:extLst>
+              <a:ext uri="{BEBA8EAE-BF5A-486C-A8C5-ECC9F3942E4B}">
+                <a14:imgProps xmlns:a14="http://schemas.microsoft.com/office/drawing/2010/main">
+                  <a14:imgLayer>
+                    <a14:imgEffect>
+                      <a14:saturation sat="310000"/>
+                    </a14:imgEffect>
+                    <a14:imgEffect>
+                      <a14:brightnessContrast bright="-68000"/>
+                    </a14:imgEffect>
+                  </a14:imgLayer>
+                </a14:imgProps>
+              </a:ext>
+              <a:ext uri="{28A0092B-C50C-407E-A947-70E740481C1C}">
+                <a14:useLocalDpi xmlns:a14="http://schemas.microsoft.com/office/drawing/2010/main" val="0"/>
+              </a:ext>
+            </a:extLst>
+          </a:blip>
+          <a:stretch>
+            <a:fillRect/>
+          </a:stretch>
+        </p:blipFill>
+        <p:spPr>
+          <a:xfrm>
+            <a:off x="4700573" y="2678709"/>
+            <a:ext cx="501120" cy="522000"/>
+          </a:xfrm>
+          <a:prstGeom prst="rect">
+            <a:avLst/>
+          </a:prstGeom>
+        </p:spPr>
+      </p:pic>
+      <p:pic>
+        <p:nvPicPr>
+          <p:cNvPr id="15" name="Picture 14">
+            <a:extLst>
+              <a:ext uri="{FF2B5EF4-FFF2-40B4-BE49-F238E27FC236}">
+                <a16:creationId xmlns:a16="http://schemas.microsoft.com/office/drawing/2014/main" id="{F56CA1E1-0D92-0247-B7B9-F291EC184102}"/>
+              </a:ext>
+            </a:extLst>
+          </p:cNvPr>
+          <p:cNvPicPr>
+            <a:picLocks noChangeAspect="1"/>
+          </p:cNvPicPr>
+          <p:nvPr/>
+        </p:nvPicPr>
+        <p:blipFill>
+          <a:blip r:embed="rId7">
+            <a:duotone>
+              <a:schemeClr val="accent4">
+                <a:shade val="45000"/>
+                <a:satMod val="135000"/>
+              </a:schemeClr>
+              <a:prstClr val="white"/>
+            </a:duotone>
+            <a:extLst>
+              <a:ext uri="{28A0092B-C50C-407E-A947-70E740481C1C}">
+                <a14:useLocalDpi xmlns:a14="http://schemas.microsoft.com/office/drawing/2010/main" val="0"/>
+              </a:ext>
+            </a:extLst>
+          </a:blip>
+          <a:stretch>
+            <a:fillRect/>
+          </a:stretch>
+        </p:blipFill>
+        <p:spPr>
+          <a:xfrm>
+            <a:off x="4690133" y="4396970"/>
+            <a:ext cx="522000" cy="522000"/>
+          </a:xfrm>
+          <a:prstGeom prst="rect">
+            <a:avLst/>
+          </a:prstGeom>
+        </p:spPr>
+      </p:pic>
+      <p:pic>
+        <p:nvPicPr>
+          <p:cNvPr id="17" name="Picture 16">
+            <a:extLst>
+              <a:ext uri="{FF2B5EF4-FFF2-40B4-BE49-F238E27FC236}">
+                <a16:creationId xmlns:a16="http://schemas.microsoft.com/office/drawing/2014/main" id="{4730F370-C19B-404A-AB0D-8FB512ACC689}"/>
+              </a:ext>
+            </a:extLst>
+          </p:cNvPr>
+          <p:cNvPicPr>
+            <a:picLocks noChangeAspect="1"/>
+          </p:cNvPicPr>
+          <p:nvPr/>
+        </p:nvPicPr>
+        <p:blipFill>
+          <a:blip r:embed="rId8">
+            <a:duotone>
+              <a:schemeClr val="accent4">
+                <a:shade val="45000"/>
+                <a:satMod val="135000"/>
+              </a:schemeClr>
+              <a:prstClr val="white"/>
+            </a:duotone>
+            <a:extLst>
+              <a:ext uri="{BEBA8EAE-BF5A-486C-A8C5-ECC9F3942E4B}">
+                <a14:imgProps xmlns:a14="http://schemas.microsoft.com/office/drawing/2010/main">
+                  <a14:imgLayer>
+                    <a14:imgEffect>
+                      <a14:brightnessContrast bright="-100000"/>
+                    </a14:imgEffect>
+                  </a14:imgLayer>
+                </a14:imgProps>
+              </a:ext>
+              <a:ext uri="{28A0092B-C50C-407E-A947-70E740481C1C}">
+                <a14:useLocalDpi xmlns:a14="http://schemas.microsoft.com/office/drawing/2010/main" val="0"/>
+              </a:ext>
+            </a:extLst>
+          </a:blip>
+          <a:stretch>
+            <a:fillRect/>
+          </a:stretch>
+        </p:blipFill>
+        <p:spPr>
+          <a:xfrm>
+            <a:off x="8365385" y="4346859"/>
+            <a:ext cx="530700" cy="522000"/>
           </a:xfrm>
           <a:prstGeom prst="rect">
             <a:avLst/>
@@ -33163,12 +32293,12 @@
           </a:ln>
           <a:extLst>
             <a:ext uri="{909E8E84-426E-40dd-AFC4-6F175D3DCCD1}">
-              <a14:hiddenFill xmlns:a14="http://schemas.microsoft.com/office/drawing/2010/main" xmlns="">
+              <a14:hiddenFill xmlns="" xmlns:a14="http://schemas.microsoft.com/office/drawing/2010/main">
                 <a:noFill/>
               </a14:hiddenFill>
             </a:ext>
             <a:ext uri="{91240B29-F687-4f45-9708-019B960494DF}">
-              <a14:hiddenLine xmlns:a14="http://schemas.microsoft.com/office/drawing/2010/main" xmlns="" w="9525">
+              <a14:hiddenLine xmlns="" xmlns:a14="http://schemas.microsoft.com/office/drawing/2010/main" w="9525">
                 <a:solidFill>
                   <a:srgbClr val="000000"/>
                 </a:solidFill>
@@ -33213,12 +32343,12 @@
           </a:ln>
           <a:extLst>
             <a:ext uri="{909E8E84-426E-40dd-AFC4-6F175D3DCCD1}">
-              <a14:hiddenFill xmlns:a14="http://schemas.microsoft.com/office/drawing/2010/main" xmlns="">
+              <a14:hiddenFill xmlns="" xmlns:a14="http://schemas.microsoft.com/office/drawing/2010/main">
                 <a:noFill/>
               </a14:hiddenFill>
             </a:ext>
             <a:ext uri="{91240B29-F687-4f45-9708-019B960494DF}">
-              <a14:hiddenLine xmlns:a14="http://schemas.microsoft.com/office/drawing/2010/main" xmlns="" w="9525">
+              <a14:hiddenLine xmlns="" xmlns:a14="http://schemas.microsoft.com/office/drawing/2010/main" w="9525">
                 <a:solidFill>
                   <a:srgbClr val="000000"/>
                 </a:solidFill>

--- a/MoneyThoring_pres.pptx
+++ b/MoneyThoring_pres.pptx
@@ -9,25 +9,24 @@
     <p:sldMasterId id="2147483654" r:id="rId5"/>
   </p:sldMasterIdLst>
   <p:notesMasterIdLst>
-    <p:notesMasterId r:id="rId22"/>
+    <p:notesMasterId r:id="rId21"/>
   </p:notesMasterIdLst>
   <p:sldIdLst>
     <p:sldId id="269" r:id="rId6"/>
-    <p:sldId id="524" r:id="rId7"/>
-    <p:sldId id="437" r:id="rId8"/>
-    <p:sldId id="274" r:id="rId9"/>
-    <p:sldId id="282" r:id="rId10"/>
-    <p:sldId id="519" r:id="rId11"/>
-    <p:sldId id="518" r:id="rId12"/>
-    <p:sldId id="339" r:id="rId13"/>
-    <p:sldId id="402" r:id="rId14"/>
-    <p:sldId id="517" r:id="rId15"/>
-    <p:sldId id="520" r:id="rId16"/>
-    <p:sldId id="521" r:id="rId17"/>
-    <p:sldId id="516" r:id="rId18"/>
-    <p:sldId id="522" r:id="rId19"/>
-    <p:sldId id="523" r:id="rId20"/>
-    <p:sldId id="370" r:id="rId21"/>
+    <p:sldId id="437" r:id="rId7"/>
+    <p:sldId id="274" r:id="rId8"/>
+    <p:sldId id="282" r:id="rId9"/>
+    <p:sldId id="519" r:id="rId10"/>
+    <p:sldId id="518" r:id="rId11"/>
+    <p:sldId id="339" r:id="rId12"/>
+    <p:sldId id="402" r:id="rId13"/>
+    <p:sldId id="517" r:id="rId14"/>
+    <p:sldId id="520" r:id="rId15"/>
+    <p:sldId id="521" r:id="rId16"/>
+    <p:sldId id="516" r:id="rId17"/>
+    <p:sldId id="522" r:id="rId18"/>
+    <p:sldId id="523" r:id="rId19"/>
+    <p:sldId id="370" r:id="rId20"/>
   </p:sldIdLst>
   <p:sldSz cx="12192000" cy="6858000"/>
   <p:notesSz cx="6858000" cy="9144000"/>
@@ -644,7 +643,7 @@
           <a:p>
             <a:fld id="{250503B6-F4CD-DE49-AB30-479371E8558D}" type="slidenum">
               <a:rPr lang="en-US" smtClean="0"/>
-              <a:t>3</a:t>
+              <a:t>2</a:t>
             </a:fld>
             <a:endParaRPr lang="en-US"/>
           </a:p>
@@ -728,7 +727,7 @@
           <a:p>
             <a:fld id="{250503B6-F4CD-DE49-AB30-479371E8558D}" type="slidenum">
               <a:rPr lang="en-US" smtClean="0"/>
-              <a:t>4</a:t>
+              <a:t>3</a:t>
             </a:fld>
             <a:endParaRPr lang="en-US"/>
           </a:p>
@@ -815,7 +814,7 @@
           <a:p>
             <a:fld id="{250503B6-F4CD-DE49-AB30-479371E8558D}" type="slidenum">
               <a:rPr lang="en-US" smtClean="0"/>
-              <a:t>5</a:t>
+              <a:t>4</a:t>
             </a:fld>
             <a:endParaRPr lang="en-US"/>
           </a:p>
@@ -902,7 +901,7 @@
           <a:p>
             <a:fld id="{250503B6-F4CD-DE49-AB30-479371E8558D}" type="slidenum">
               <a:rPr lang="en-US" smtClean="0"/>
-              <a:t>6</a:t>
+              <a:t>5</a:t>
             </a:fld>
             <a:endParaRPr lang="en-US"/>
           </a:p>
@@ -986,7 +985,7 @@
           <a:p>
             <a:fld id="{250503B6-F4CD-DE49-AB30-479371E8558D}" type="slidenum">
               <a:rPr lang="en-US" smtClean="0"/>
-              <a:t>7</a:t>
+              <a:t>6</a:t>
             </a:fld>
             <a:endParaRPr lang="en-US"/>
           </a:p>
@@ -1070,7 +1069,7 @@
           <a:p>
             <a:fld id="{250503B6-F4CD-DE49-AB30-479371E8558D}" type="slidenum">
               <a:rPr lang="en-US" smtClean="0"/>
-              <a:t>9</a:t>
+              <a:t>8</a:t>
             </a:fld>
             <a:endParaRPr lang="en-US"/>
           </a:p>
@@ -1154,7 +1153,7 @@
           <a:p>
             <a:fld id="{250503B6-F4CD-DE49-AB30-479371E8558D}" type="slidenum">
               <a:rPr lang="en-US" smtClean="0"/>
-              <a:t>10</a:t>
+              <a:t>9</a:t>
             </a:fld>
             <a:endParaRPr lang="en-US"/>
           </a:p>
@@ -1238,7 +1237,7 @@
           <a:p>
             <a:fld id="{250503B6-F4CD-DE49-AB30-479371E8558D}" type="slidenum">
               <a:rPr lang="en-US" smtClean="0"/>
-              <a:t>16</a:t>
+              <a:t>15</a:t>
             </a:fld>
             <a:endParaRPr lang="en-US"/>
           </a:p>
@@ -8763,139 +8762,6 @@
           <a:chExt cx="0" cy="0"/>
         </a:xfrm>
       </p:grpSpPr>
-      <p:pic>
-        <p:nvPicPr>
-          <p:cNvPr id="15" name="Picture 14">
-            <a:extLst>
-              <a:ext uri="{FF2B5EF4-FFF2-40B4-BE49-F238E27FC236}">
-                <a16:creationId xmlns:a16="http://schemas.microsoft.com/office/drawing/2014/main" id="{B5A5A9E1-8820-4F02-8952-D9EDF8BE1C33}"/>
-              </a:ext>
-            </a:extLst>
-          </p:cNvPr>
-          <p:cNvPicPr>
-            <a:picLocks noChangeAspect="1"/>
-          </p:cNvPicPr>
-          <p:nvPr/>
-        </p:nvPicPr>
-        <p:blipFill>
-          <a:blip r:embed="rId3" cstate="print">
-            <a:extLst>
-              <a:ext uri="{28A0092B-C50C-407E-A947-70E740481C1C}">
-                <a14:useLocalDpi xmlns:a14="http://schemas.microsoft.com/office/drawing/2010/main" val="0"/>
-              </a:ext>
-            </a:extLst>
-          </a:blip>
-          <a:stretch>
-            <a:fillRect/>
-          </a:stretch>
-        </p:blipFill>
-        <p:spPr>
-          <a:xfrm>
-            <a:off x="5469948" y="1587543"/>
-            <a:ext cx="1252104" cy="1083016"/>
-          </a:xfrm>
-          <a:prstGeom prst="rect">
-            <a:avLst/>
-          </a:prstGeom>
-        </p:spPr>
-      </p:pic>
-      <p:sp>
-        <p:nvSpPr>
-          <p:cNvPr id="42" name="Rectangle 41"/>
-          <p:cNvSpPr/>
-          <p:nvPr/>
-        </p:nvSpPr>
-        <p:spPr>
-          <a:xfrm>
-            <a:off x="1443135" y="3114777"/>
-            <a:ext cx="9305730" cy="707886"/>
-          </a:xfrm>
-          <a:prstGeom prst="rect">
-            <a:avLst/>
-          </a:prstGeom>
-        </p:spPr>
-        <p:txBody>
-          <a:bodyPr wrap="square">
-            <a:spAutoFit/>
-          </a:bodyPr>
-          <a:lstStyle/>
-          <a:p>
-            <a:pPr algn="ctr"/>
-            <a:r>
-              <a:rPr lang="fr-CH" sz="4000" dirty="0">
-                <a:latin typeface="Roboto Light" charset="0"/>
-                <a:ea typeface="Roboto Light" charset="0"/>
-                <a:cs typeface="Roboto Light" charset="0"/>
-              </a:rPr>
-              <a:t>Analyse</a:t>
-            </a:r>
-            <a:r>
-              <a:rPr lang="en-US" sz="4000" dirty="0">
-                <a:latin typeface="Roboto Light" charset="0"/>
-                <a:ea typeface="Roboto Light" charset="0"/>
-                <a:cs typeface="Roboto Light" charset="0"/>
-              </a:rPr>
-              <a:t> du </a:t>
-            </a:r>
-            <a:r>
-              <a:rPr lang="en-US" sz="4000" dirty="0" err="1">
-                <a:latin typeface="Roboto Light" charset="0"/>
-                <a:ea typeface="Roboto Light" charset="0"/>
-                <a:cs typeface="Roboto Light" charset="0"/>
-              </a:rPr>
-              <a:t>projet</a:t>
-            </a:r>
-            <a:endParaRPr lang="en-US" sz="4000" dirty="0">
-              <a:latin typeface="Roboto Light" charset="0"/>
-              <a:ea typeface="Roboto Light" charset="0"/>
-              <a:cs typeface="Roboto Light" charset="0"/>
-            </a:endParaRPr>
-          </a:p>
-        </p:txBody>
-      </p:sp>
-    </p:spTree>
-    <p:extLst>
-      <p:ext uri="{BB962C8B-B14F-4D97-AF65-F5344CB8AC3E}">
-        <p14:creationId xmlns:p14="http://schemas.microsoft.com/office/powerpoint/2010/main" val="616704923"/>
-      </p:ext>
-    </p:extLst>
-  </p:cSld>
-  <p:clrMapOvr>
-    <a:masterClrMapping/>
-  </p:clrMapOvr>
-  <p:transition spd="slow">
-    <p:push dir="u"/>
-  </p:transition>
-</p:sld>
-</file>
-
-<file path=ppt/slides/slide11.xml><?xml version="1.0" encoding="utf-8"?>
-<p:sld xmlns:a="http://schemas.openxmlformats.org/drawingml/2006/main" xmlns:r="http://schemas.openxmlformats.org/officeDocument/2006/relationships" xmlns:p="http://schemas.openxmlformats.org/presentationml/2006/main">
-  <p:cSld>
-    <p:bg>
-      <p:bgPr>
-        <a:solidFill>
-          <a:schemeClr val="bg1">
-            <a:lumMod val="95000"/>
-          </a:schemeClr>
-        </a:solidFill>
-        <a:effectLst/>
-      </p:bgPr>
-    </p:bg>
-    <p:spTree>
-      <p:nvGrpSpPr>
-        <p:cNvPr id="1" name=""/>
-        <p:cNvGrpSpPr/>
-        <p:nvPr/>
-      </p:nvGrpSpPr>
-      <p:grpSpPr>
-        <a:xfrm>
-          <a:off x="0" y="0"/>
-          <a:ext cx="0" cy="0"/>
-          <a:chOff x="0" y="0"/>
-          <a:chExt cx="0" cy="0"/>
-        </a:xfrm>
-      </p:grpSpPr>
       <p:sp>
         <p:nvSpPr>
           <p:cNvPr id="432" name="Shape 432"/>
@@ -8947,7 +8813,7 @@
             <a:fld id="{86CB4B4D-7CA3-9044-876B-883B54F8677D}" type="slidenum">
               <a:rPr lang="en-US" smtClean="0"/>
               <a:pPr lvl="0"/>
-              <a:t>11</a:t>
+              <a:t>10</a:t>
             </a:fld>
             <a:endParaRPr lang="en-US"/>
           </a:p>
@@ -20852,7 +20718,7 @@
 </p:sld>
 </file>
 
-<file path=ppt/slides/slide12.xml><?xml version="1.0" encoding="utf-8"?>
+<file path=ppt/slides/slide11.xml><?xml version="1.0" encoding="utf-8"?>
 <p:sld xmlns:a="http://schemas.openxmlformats.org/drawingml/2006/main" xmlns:r="http://schemas.openxmlformats.org/officeDocument/2006/relationships" xmlns:p="http://schemas.openxmlformats.org/presentationml/2006/main">
   <p:cSld>
     <p:bg>
@@ -20932,7 +20798,7 @@
             <a:fld id="{86CB4B4D-7CA3-9044-876B-883B54F8677D}" type="slidenum">
               <a:rPr lang="en-US" smtClean="0"/>
               <a:pPr lvl="0"/>
-              <a:t>12</a:t>
+              <a:t>11</a:t>
             </a:fld>
             <a:endParaRPr lang="en-US"/>
           </a:p>
@@ -21186,7 +21052,7 @@
 </p:sld>
 </file>
 
-<file path=ppt/slides/slide13.xml><?xml version="1.0" encoding="utf-8"?>
+<file path=ppt/slides/slide12.xml><?xml version="1.0" encoding="utf-8"?>
 <p:sld xmlns:a="http://schemas.openxmlformats.org/drawingml/2006/main" xmlns:r="http://schemas.openxmlformats.org/officeDocument/2006/relationships" xmlns:p="http://schemas.openxmlformats.org/presentationml/2006/main">
   <p:cSld>
     <p:bg>
@@ -21264,7 +21130,7 @@
             <a:fld id="{86CB4B4D-7CA3-9044-876B-883B54F8677D}" type="slidenum">
               <a:rPr lang="en-US" smtClean="0"/>
               <a:pPr lvl="0"/>
-              <a:t>13</a:t>
+              <a:t>12</a:t>
             </a:fld>
             <a:endParaRPr lang="en-US"/>
           </a:p>
@@ -23267,7 +23133,7 @@
 </p:sld>
 </file>
 
-<file path=ppt/slides/slide14.xml><?xml version="1.0" encoding="utf-8"?>
+<file path=ppt/slides/slide13.xml><?xml version="1.0" encoding="utf-8"?>
 <p:sld xmlns:a="http://schemas.openxmlformats.org/drawingml/2006/main" xmlns:r="http://schemas.openxmlformats.org/officeDocument/2006/relationships" xmlns:p="http://schemas.openxmlformats.org/presentationml/2006/main">
   <p:cSld>
     <p:bg>
@@ -23347,7 +23213,7 @@
             <a:fld id="{936C95AE-7298-45E1-9514-94AFF5BED89B}" type="slidenum">
               <a:rPr lang="en-US" smtClean="0"/>
               <a:pPr/>
-              <a:t>14</a:t>
+              <a:t>13</a:t>
             </a:fld>
             <a:endParaRPr lang="en-US" dirty="0"/>
           </a:p>
@@ -24781,7 +24647,7 @@
 </p:sld>
 </file>
 
-<file path=ppt/slides/slide15.xml><?xml version="1.0" encoding="utf-8"?>
+<file path=ppt/slides/slide14.xml><?xml version="1.0" encoding="utf-8"?>
 <p:sld xmlns:a="http://schemas.openxmlformats.org/drawingml/2006/main" xmlns:r="http://schemas.openxmlformats.org/officeDocument/2006/relationships" xmlns:p="http://schemas.openxmlformats.org/presentationml/2006/main">
   <p:cSld>
     <p:bg>
@@ -24861,7 +24727,7 @@
             <a:fld id="{936C95AE-7298-45E1-9514-94AFF5BED89B}" type="slidenum">
               <a:rPr lang="en-US" smtClean="0"/>
               <a:pPr/>
-              <a:t>15</a:t>
+              <a:t>14</a:t>
             </a:fld>
             <a:endParaRPr lang="en-US" dirty="0"/>
           </a:p>
@@ -25634,7 +25500,7 @@
 </p:sld>
 </file>
 
-<file path=ppt/slides/slide16.xml><?xml version="1.0" encoding="utf-8"?>
+<file path=ppt/slides/slide15.xml><?xml version="1.0" encoding="utf-8"?>
 <p:sld xmlns:a="http://schemas.openxmlformats.org/drawingml/2006/main" xmlns:r="http://schemas.openxmlformats.org/officeDocument/2006/relationships" xmlns:p="http://schemas.openxmlformats.org/presentationml/2006/main">
   <p:cSld>
     <p:spTree>
@@ -25843,7 +25709,7 @@
                 <a:ea typeface="Roboto Light" charset="0"/>
                 <a:cs typeface="Roboto Light" charset="0"/>
               </a:rPr>
-              <a:t>Question ?</a:t>
+              <a:t>Questions ?</a:t>
             </a:r>
           </a:p>
         </p:txBody>
@@ -25870,7 +25736,7 @@
                 </a:solidFill>
               </a:rPr>
               <a:pPr/>
-              <a:t>16</a:t>
+              <a:t>15</a:t>
             </a:fld>
             <a:endParaRPr lang="en-US" dirty="0">
               <a:solidFill>
@@ -25923,401 +25789,6 @@
           <a:chExt cx="0" cy="0"/>
         </a:xfrm>
       </p:grpSpPr>
-      <p:pic>
-        <p:nvPicPr>
-          <p:cNvPr id="3" name="Picture 2">
-            <a:extLst>
-              <a:ext uri="{FF2B5EF4-FFF2-40B4-BE49-F238E27FC236}">
-                <a16:creationId xmlns:a16="http://schemas.microsoft.com/office/drawing/2014/main" id="{70AF3DB6-1DD3-5043-BE78-C0DB2CEF1BC9}"/>
-              </a:ext>
-            </a:extLst>
-          </p:cNvPr>
-          <p:cNvPicPr>
-            <a:picLocks noChangeAspect="1"/>
-          </p:cNvPicPr>
-          <p:nvPr/>
-        </p:nvPicPr>
-        <p:blipFill>
-          <a:blip r:embed="rId2" cstate="print">
-            <a:extLst>
-              <a:ext uri="{28A0092B-C50C-407E-A947-70E740481C1C}">
-                <a14:useLocalDpi xmlns:a14="http://schemas.microsoft.com/office/drawing/2010/main" val="0"/>
-              </a:ext>
-            </a:extLst>
-          </a:blip>
-          <a:stretch>
-            <a:fillRect/>
-          </a:stretch>
-        </p:blipFill>
-        <p:spPr>
-          <a:xfrm>
-            <a:off x="671323" y="1251114"/>
-            <a:ext cx="3931686" cy="3400739"/>
-          </a:xfrm>
-          <a:prstGeom prst="rect">
-            <a:avLst/>
-          </a:prstGeom>
-        </p:spPr>
-      </p:pic>
-      <p:sp>
-        <p:nvSpPr>
-          <p:cNvPr id="4" name="TextBox 3">
-            <a:extLst>
-              <a:ext uri="{FF2B5EF4-FFF2-40B4-BE49-F238E27FC236}">
-                <a16:creationId xmlns:a16="http://schemas.microsoft.com/office/drawing/2014/main" id="{4AAC4157-A39D-4748-9236-789C5FE812B2}"/>
-              </a:ext>
-            </a:extLst>
-          </p:cNvPr>
-          <p:cNvSpPr txBox="1"/>
-          <p:nvPr/>
-        </p:nvSpPr>
-        <p:spPr>
-          <a:xfrm>
-            <a:off x="5977843" y="1251114"/>
-            <a:ext cx="5146019" cy="3400739"/>
-          </a:xfrm>
-          <a:prstGeom prst="rect">
-            <a:avLst/>
-          </a:prstGeom>
-          <a:solidFill>
-            <a:schemeClr val="bg1"/>
-          </a:solidFill>
-          <a:effectLst>
-            <a:outerShdw blurRad="38100" dist="12700" dir="5400000" algn="ctr" rotWithShape="0">
-              <a:srgbClr val="000000">
-                <a:alpha val="30000"/>
-              </a:srgbClr>
-            </a:outerShdw>
-          </a:effectLst>
-        </p:spPr>
-        <p:txBody>
-          <a:bodyPr wrap="square" lIns="254000" tIns="254000" rIns="254000" bIns="254000" rtlCol="0">
-            <a:spAutoFit/>
-          </a:bodyPr>
-          <a:lstStyle/>
-          <a:p>
-            <a:r>
-              <a:rPr lang="en-US" sz="2400" dirty="0" err="1">
-                <a:solidFill>
-                  <a:schemeClr val="accent2"/>
-                </a:solidFill>
-                <a:latin typeface="Roboto Medium" charset="0"/>
-                <a:ea typeface="Roboto Medium" charset="0"/>
-                <a:cs typeface="Roboto Medium" charset="0"/>
-              </a:rPr>
-              <a:t>Bienvenue</a:t>
-            </a:r>
-            <a:endParaRPr lang="en-US" sz="2400" dirty="0">
-              <a:solidFill>
-                <a:schemeClr val="accent2"/>
-              </a:solidFill>
-              <a:latin typeface="Roboto Medium" charset="0"/>
-              <a:ea typeface="Roboto Medium" charset="0"/>
-              <a:cs typeface="Roboto Medium" charset="0"/>
-            </a:endParaRPr>
-          </a:p>
-          <a:p>
-            <a:pPr>
-              <a:lnSpc>
-                <a:spcPct val="200000"/>
-              </a:lnSpc>
-            </a:pPr>
-            <a:endParaRPr lang="en-US" sz="1400" dirty="0">
-              <a:solidFill>
-                <a:schemeClr val="accent2"/>
-              </a:solidFill>
-              <a:latin typeface="Roboto Light" charset="0"/>
-              <a:ea typeface="Roboto Light" charset="0"/>
-              <a:cs typeface="Roboto Light" charset="0"/>
-            </a:endParaRPr>
-          </a:p>
-          <a:p>
-            <a:pPr marL="285750" indent="-285750">
-              <a:lnSpc>
-                <a:spcPct val="200000"/>
-              </a:lnSpc>
-              <a:buFont typeface="Arial" panose="020B0604020202020204" pitchFamily="34" charset="0"/>
-              <a:buChar char="•"/>
-            </a:pPr>
-            <a:r>
-              <a:rPr lang="en-US" sz="1400" dirty="0">
-                <a:solidFill>
-                  <a:schemeClr val="accent2"/>
-                </a:solidFill>
-                <a:latin typeface="Roboto Light" charset="0"/>
-                <a:ea typeface="Roboto Light" charset="0"/>
-                <a:cs typeface="Roboto Light" charset="0"/>
-              </a:rPr>
-              <a:t>MoneyThoring, </a:t>
-            </a:r>
-            <a:r>
-              <a:rPr lang="en-US" sz="1400" dirty="0" err="1">
-                <a:solidFill>
-                  <a:schemeClr val="accent2"/>
-                </a:solidFill>
-                <a:latin typeface="Roboto Light" charset="0"/>
-                <a:ea typeface="Roboto Light" charset="0"/>
-                <a:cs typeface="Roboto Light" charset="0"/>
-              </a:rPr>
-              <a:t>ou</a:t>
-            </a:r>
-            <a:r>
-              <a:rPr lang="en-US" sz="1400" dirty="0">
-                <a:solidFill>
-                  <a:schemeClr val="accent2"/>
-                </a:solidFill>
-                <a:latin typeface="Roboto Light" charset="0"/>
-                <a:ea typeface="Roboto Light" charset="0"/>
-                <a:cs typeface="Roboto Light" charset="0"/>
-              </a:rPr>
-              <a:t> comment </a:t>
-            </a:r>
-            <a:r>
-              <a:rPr lang="en-US" sz="1400" dirty="0" err="1">
-                <a:solidFill>
-                  <a:schemeClr val="accent2"/>
-                </a:solidFill>
-                <a:latin typeface="Roboto Light" charset="0"/>
-                <a:ea typeface="Roboto Light" charset="0"/>
-                <a:cs typeface="Roboto Light" charset="0"/>
-              </a:rPr>
-              <a:t>gérer</a:t>
-            </a:r>
-            <a:r>
-              <a:rPr lang="en-US" sz="1400" dirty="0">
-                <a:solidFill>
-                  <a:schemeClr val="accent2"/>
-                </a:solidFill>
-                <a:latin typeface="Roboto Light" charset="0"/>
-                <a:ea typeface="Roboto Light" charset="0"/>
-                <a:cs typeface="Roboto Light" charset="0"/>
-              </a:rPr>
-              <a:t> son capital</a:t>
-            </a:r>
-          </a:p>
-          <a:p>
-            <a:pPr marL="285750" indent="-285750">
-              <a:lnSpc>
-                <a:spcPct val="200000"/>
-              </a:lnSpc>
-              <a:buFont typeface="Arial" panose="020B0604020202020204" pitchFamily="34" charset="0"/>
-              <a:buChar char="•"/>
-            </a:pPr>
-            <a:r>
-              <a:rPr lang="en-US" sz="1400" b="1" dirty="0" err="1">
-                <a:solidFill>
-                  <a:schemeClr val="accent2"/>
-                </a:solidFill>
-                <a:latin typeface="Roboto Light" charset="0"/>
-                <a:ea typeface="Roboto Light" charset="0"/>
-                <a:cs typeface="Roboto Light" charset="0"/>
-              </a:rPr>
-              <a:t>L’équipe</a:t>
-            </a:r>
-            <a:endParaRPr lang="en-US" sz="1400" b="1" dirty="0">
-              <a:solidFill>
-                <a:schemeClr val="accent2"/>
-              </a:solidFill>
-              <a:latin typeface="Roboto Light" charset="0"/>
-              <a:ea typeface="Roboto Light" charset="0"/>
-              <a:cs typeface="Roboto Light" charset="0"/>
-            </a:endParaRPr>
-          </a:p>
-          <a:p>
-            <a:pPr marL="742950" lvl="1" indent="-285750">
-              <a:lnSpc>
-                <a:spcPct val="200000"/>
-              </a:lnSpc>
-              <a:buFont typeface="Arial" panose="020B0604020202020204" pitchFamily="34" charset="0"/>
-              <a:buChar char="•"/>
-            </a:pPr>
-            <a:r>
-              <a:rPr lang="en-US" sz="1400" b="1" dirty="0">
-                <a:solidFill>
-                  <a:schemeClr val="accent2"/>
-                </a:solidFill>
-                <a:latin typeface="Roboto Light" charset="0"/>
-                <a:ea typeface="Roboto Light" charset="0"/>
-                <a:cs typeface="Roboto Light" charset="0"/>
-              </a:rPr>
-              <a:t>GUI</a:t>
-            </a:r>
-            <a:r>
-              <a:rPr lang="en-US" sz="1400" dirty="0">
-                <a:solidFill>
-                  <a:schemeClr val="accent2"/>
-                </a:solidFill>
-                <a:latin typeface="Roboto Light" charset="0"/>
-                <a:ea typeface="Roboto Light" charset="0"/>
-                <a:cs typeface="Roboto Light" charset="0"/>
-              </a:rPr>
-              <a:t> : Bryan et François</a:t>
-            </a:r>
-          </a:p>
-          <a:p>
-            <a:pPr marL="742950" lvl="1" indent="-285750">
-              <a:lnSpc>
-                <a:spcPct val="200000"/>
-              </a:lnSpc>
-              <a:buFont typeface="Arial" panose="020B0604020202020204" pitchFamily="34" charset="0"/>
-              <a:buChar char="•"/>
-            </a:pPr>
-            <a:r>
-              <a:rPr lang="en-US" sz="1400" b="1" dirty="0">
-                <a:solidFill>
-                  <a:schemeClr val="accent2"/>
-                </a:solidFill>
-                <a:latin typeface="Roboto Light" charset="0"/>
-                <a:ea typeface="Roboto Light" charset="0"/>
-                <a:cs typeface="Roboto Light" charset="0"/>
-              </a:rPr>
-              <a:t>DAL</a:t>
-            </a:r>
-            <a:r>
-              <a:rPr lang="en-US" sz="1400" dirty="0">
-                <a:solidFill>
-                  <a:schemeClr val="accent2"/>
-                </a:solidFill>
-                <a:latin typeface="Roboto Light" charset="0"/>
-                <a:ea typeface="Roboto Light" charset="0"/>
-                <a:cs typeface="Roboto Light" charset="0"/>
-              </a:rPr>
-              <a:t> et </a:t>
-            </a:r>
-            <a:r>
-              <a:rPr lang="en-US" sz="1400" b="1" dirty="0">
-                <a:solidFill>
-                  <a:schemeClr val="accent2"/>
-                </a:solidFill>
-                <a:latin typeface="Roboto Light" charset="0"/>
-                <a:ea typeface="Roboto Light" charset="0"/>
-                <a:cs typeface="Roboto Light" charset="0"/>
-              </a:rPr>
-              <a:t>DB</a:t>
-            </a:r>
-            <a:r>
-              <a:rPr lang="en-US" sz="1400" dirty="0">
-                <a:solidFill>
-                  <a:schemeClr val="accent2"/>
-                </a:solidFill>
-                <a:latin typeface="Roboto Light" charset="0"/>
-                <a:ea typeface="Roboto Light" charset="0"/>
-                <a:cs typeface="Roboto Light" charset="0"/>
-              </a:rPr>
-              <a:t> : Guillaume et </a:t>
-            </a:r>
-            <a:r>
-              <a:rPr lang="en-US" sz="1400" dirty="0" err="1">
-                <a:solidFill>
-                  <a:schemeClr val="accent2"/>
-                </a:solidFill>
-                <a:latin typeface="Roboto Light" charset="0"/>
-                <a:ea typeface="Roboto Light" charset="0"/>
-                <a:cs typeface="Roboto Light" charset="0"/>
-              </a:rPr>
-              <a:t>Héléna</a:t>
-            </a:r>
-            <a:endParaRPr lang="en-US" sz="1400" dirty="0">
-              <a:solidFill>
-                <a:schemeClr val="accent2"/>
-              </a:solidFill>
-              <a:latin typeface="Roboto Light" charset="0"/>
-              <a:ea typeface="Roboto Light" charset="0"/>
-              <a:cs typeface="Roboto Light" charset="0"/>
-            </a:endParaRPr>
-          </a:p>
-          <a:p>
-            <a:pPr marL="742950" lvl="1" indent="-285750">
-              <a:lnSpc>
-                <a:spcPct val="200000"/>
-              </a:lnSpc>
-              <a:buFont typeface="Arial" panose="020B0604020202020204" pitchFamily="34" charset="0"/>
-              <a:buChar char="•"/>
-            </a:pPr>
-            <a:r>
-              <a:rPr lang="en-US" sz="1400" b="1" dirty="0">
-                <a:solidFill>
-                  <a:schemeClr val="accent2"/>
-                </a:solidFill>
-                <a:latin typeface="Roboto Light" charset="0"/>
-                <a:ea typeface="Roboto Light" charset="0"/>
-                <a:cs typeface="Roboto Light" charset="0"/>
-              </a:rPr>
-              <a:t>BLL</a:t>
-            </a:r>
-            <a:r>
-              <a:rPr lang="en-US" sz="1400" dirty="0">
-                <a:solidFill>
-                  <a:schemeClr val="accent2"/>
-                </a:solidFill>
-                <a:latin typeface="Roboto Light" charset="0"/>
-                <a:ea typeface="Roboto Light" charset="0"/>
-                <a:cs typeface="Roboto Light" charset="0"/>
-              </a:rPr>
-              <a:t> : Daniel et </a:t>
-            </a:r>
-            <a:r>
-              <a:rPr lang="en-US" sz="1400" dirty="0" err="1">
-                <a:solidFill>
-                  <a:schemeClr val="accent2"/>
-                </a:solidFill>
-                <a:latin typeface="Roboto Light" charset="0"/>
-                <a:ea typeface="Roboto Light" charset="0"/>
-                <a:cs typeface="Roboto Light" charset="0"/>
-              </a:rPr>
-              <a:t>Héléna</a:t>
-            </a:r>
-            <a:endParaRPr lang="en-US" sz="1400" dirty="0">
-              <a:solidFill>
-                <a:schemeClr val="accent2"/>
-              </a:solidFill>
-              <a:latin typeface="Roboto Light" charset="0"/>
-              <a:ea typeface="Roboto Light" charset="0"/>
-              <a:cs typeface="Roboto Light" charset="0"/>
-            </a:endParaRPr>
-          </a:p>
-        </p:txBody>
-      </p:sp>
-    </p:spTree>
-    <p:extLst>
-      <p:ext uri="{BB962C8B-B14F-4D97-AF65-F5344CB8AC3E}">
-        <p14:creationId xmlns:p14="http://schemas.microsoft.com/office/powerpoint/2010/main" val="1700043953"/>
-      </p:ext>
-    </p:extLst>
-  </p:cSld>
-  <p:clrMapOvr>
-    <a:masterClrMapping/>
-  </p:clrMapOvr>
-</p:sld>
-</file>
-
-<file path=ppt/slides/slide3.xml><?xml version="1.0" encoding="utf-8"?>
-<p:sld xmlns:a="http://schemas.openxmlformats.org/drawingml/2006/main" xmlns:r="http://schemas.openxmlformats.org/officeDocument/2006/relationships" xmlns:p="http://schemas.openxmlformats.org/presentationml/2006/main">
-  <p:cSld>
-    <p:bg>
-      <p:bgPr>
-        <a:solidFill>
-          <a:schemeClr val="bg1">
-            <a:lumMod val="95000"/>
-          </a:schemeClr>
-        </a:solidFill>
-        <a:effectLst/>
-      </p:bgPr>
-    </p:bg>
-    <p:spTree>
-      <p:nvGrpSpPr>
-        <p:cNvPr id="1" name=""/>
-        <p:cNvGrpSpPr/>
-        <p:nvPr/>
-      </p:nvGrpSpPr>
-      <p:grpSpPr>
-        <a:xfrm>
-          <a:off x="0" y="0"/>
-          <a:ext cx="0" cy="0"/>
-          <a:chOff x="0" y="0"/>
-          <a:chExt cx="0" cy="0"/>
-        </a:xfrm>
-      </p:grpSpPr>
       <p:sp>
         <p:nvSpPr>
           <p:cNvPr id="4" name="Slide Number Placeholder 3"/>
@@ -26341,7 +25812,7 @@
             <a:fld id="{936C95AE-7298-45E1-9514-94AFF5BED89B}" type="slidenum">
               <a:rPr lang="en-US" smtClean="0"/>
               <a:pPr/>
-              <a:t>3</a:t>
+              <a:t>2</a:t>
             </a:fld>
             <a:endParaRPr lang="en-US" dirty="0"/>
           </a:p>
@@ -26904,7 +26375,7 @@
         <p:spPr>
           <a:xfrm>
             <a:off x="807741" y="2897034"/>
-            <a:ext cx="3394976" cy="3380400"/>
+            <a:ext cx="3394976" cy="3384000"/>
           </a:xfrm>
           <a:prstGeom prst="rect">
             <a:avLst/>
@@ -27011,8 +26482,33 @@
                 <a:ea typeface="Roboto Light" charset="0"/>
                 <a:cs typeface="Roboto Light" charset="0"/>
               </a:rPr>
-              <a:t>Architecture et implementation</a:t>
+              <a:t>Architecture et </a:t>
             </a:r>
+            <a:r>
+              <a:rPr lang="en-US" sz="1400" dirty="0" err="1">
+                <a:solidFill>
+                  <a:schemeClr val="tx1">
+                    <a:lumMod val="50000"/>
+                    <a:lumOff val="50000"/>
+                  </a:schemeClr>
+                </a:solidFill>
+                <a:latin typeface="Roboto Light" charset="0"/>
+                <a:ea typeface="Roboto Light" charset="0"/>
+                <a:cs typeface="Roboto Light" charset="0"/>
+              </a:rPr>
+              <a:t>implémentation</a:t>
+            </a:r>
+            <a:endParaRPr lang="en-US" sz="1400" dirty="0">
+              <a:solidFill>
+                <a:schemeClr val="tx1">
+                  <a:lumMod val="50000"/>
+                  <a:lumOff val="50000"/>
+                </a:schemeClr>
+              </a:solidFill>
+              <a:latin typeface="Roboto Light" charset="0"/>
+              <a:ea typeface="Roboto Light" charset="0"/>
+              <a:cs typeface="Roboto Light" charset="0"/>
+            </a:endParaRPr>
           </a:p>
           <a:p>
             <a:pPr marL="380990" indent="-380990">
@@ -27094,7 +26590,7 @@
         <p:spPr>
           <a:xfrm>
             <a:off x="4425526" y="2897034"/>
-            <a:ext cx="3394976" cy="3380400"/>
+            <a:ext cx="3394976" cy="3384000"/>
           </a:xfrm>
           <a:prstGeom prst="rect">
             <a:avLst/>
@@ -27735,7 +27231,7 @@
 </p:sld>
 </file>
 
-<file path=ppt/slides/slide4.xml><?xml version="1.0" encoding="utf-8"?>
+<file path=ppt/slides/slide3.xml><?xml version="1.0" encoding="utf-8"?>
 <p:sld xmlns:a="http://schemas.openxmlformats.org/drawingml/2006/main" xmlns:r="http://schemas.openxmlformats.org/officeDocument/2006/relationships" xmlns:p="http://schemas.openxmlformats.org/presentationml/2006/main">
   <p:cSld>
     <p:bg>
@@ -27868,7 +27364,7 @@
 </p:sld>
 </file>
 
-<file path=ppt/slides/slide5.xml><?xml version="1.0" encoding="utf-8"?>
+<file path=ppt/slides/slide4.xml><?xml version="1.0" encoding="utf-8"?>
 <p:sld xmlns:a="http://schemas.openxmlformats.org/drawingml/2006/main" xmlns:r="http://schemas.openxmlformats.org/officeDocument/2006/relationships" xmlns:p="http://schemas.openxmlformats.org/presentationml/2006/main">
   <p:cSld>
     <p:bg>
@@ -27943,7 +27439,7 @@
             <a:fld id="{936C95AE-7298-45E1-9514-94AFF5BED89B}" type="slidenum">
               <a:rPr lang="en-US" smtClean="0"/>
               <a:pPr/>
-              <a:t>5</a:t>
+              <a:t>4</a:t>
             </a:fld>
             <a:endParaRPr lang="en-US" dirty="0"/>
           </a:p>
@@ -28981,7 +28477,7 @@
 </p:sld>
 </file>
 
-<file path=ppt/slides/slide6.xml><?xml version="1.0" encoding="utf-8"?>
+<file path=ppt/slides/slide5.xml><?xml version="1.0" encoding="utf-8"?>
 <p:sld xmlns:a="http://schemas.openxmlformats.org/drawingml/2006/main" xmlns:r="http://schemas.openxmlformats.org/officeDocument/2006/relationships" xmlns:p="http://schemas.openxmlformats.org/presentationml/2006/main">
   <p:cSld>
     <p:bg>
@@ -29056,7 +28552,7 @@
             <a:fld id="{936C95AE-7298-45E1-9514-94AFF5BED89B}" type="slidenum">
               <a:rPr lang="en-US" smtClean="0"/>
               <a:pPr/>
-              <a:t>6</a:t>
+              <a:t>5</a:t>
             </a:fld>
             <a:endParaRPr lang="en-US" dirty="0"/>
           </a:p>
@@ -29114,7 +28610,7 @@
 </p:sld>
 </file>
 
-<file path=ppt/slides/slide7.xml><?xml version="1.0" encoding="utf-8"?>
+<file path=ppt/slides/slide6.xml><?xml version="1.0" encoding="utf-8"?>
 <p:sld xmlns:a="http://schemas.openxmlformats.org/drawingml/2006/main" xmlns:r="http://schemas.openxmlformats.org/officeDocument/2006/relationships" xmlns:p="http://schemas.openxmlformats.org/presentationml/2006/main">
   <p:cSld>
     <p:bg>
@@ -29247,7 +28743,7 @@
 </p:sld>
 </file>
 
-<file path=ppt/slides/slide8.xml><?xml version="1.0" encoding="utf-8"?>
+<file path=ppt/slides/slide7.xml><?xml version="1.0" encoding="utf-8"?>
 <p:sld xmlns:a="http://schemas.openxmlformats.org/drawingml/2006/main" xmlns:r="http://schemas.openxmlformats.org/officeDocument/2006/relationships" xmlns:p="http://schemas.openxmlformats.org/presentationml/2006/main">
   <p:cSld>
     <p:spTree>
@@ -30097,7 +29593,7 @@
                 </a:solidFill>
               </a:rPr>
               <a:pPr/>
-              <a:t>8</a:t>
+              <a:t>7</a:t>
             </a:fld>
             <a:endParaRPr lang="en-US" dirty="0">
               <a:solidFill>
@@ -32254,7 +31750,7 @@
 </p:sld>
 </file>
 
-<file path=ppt/slides/slide9.xml><?xml version="1.0" encoding="utf-8"?>
+<file path=ppt/slides/slide8.xml><?xml version="1.0" encoding="utf-8"?>
 <p:sld xmlns:a="http://schemas.openxmlformats.org/drawingml/2006/main" xmlns:r="http://schemas.openxmlformats.org/officeDocument/2006/relationships" xmlns:p="http://schemas.openxmlformats.org/presentationml/2006/main">
   <p:cSld>
     <p:spTree>
@@ -32293,12 +31789,12 @@
           </a:ln>
           <a:extLst>
             <a:ext uri="{909E8E84-426E-40dd-AFC4-6F175D3DCCD1}">
-              <a14:hiddenFill xmlns="" xmlns:a14="http://schemas.microsoft.com/office/drawing/2010/main">
+              <a14:hiddenFill xmlns:a14="http://schemas.microsoft.com/office/drawing/2010/main" xmlns="">
                 <a:noFill/>
               </a14:hiddenFill>
             </a:ext>
             <a:ext uri="{91240B29-F687-4f45-9708-019B960494DF}">
-              <a14:hiddenLine xmlns="" xmlns:a14="http://schemas.microsoft.com/office/drawing/2010/main" w="9525">
+              <a14:hiddenLine xmlns:a14="http://schemas.microsoft.com/office/drawing/2010/main" xmlns="" w="9525">
                 <a:solidFill>
                   <a:srgbClr val="000000"/>
                 </a:solidFill>
@@ -32343,12 +31839,12 @@
           </a:ln>
           <a:extLst>
             <a:ext uri="{909E8E84-426E-40dd-AFC4-6F175D3DCCD1}">
-              <a14:hiddenFill xmlns="" xmlns:a14="http://schemas.microsoft.com/office/drawing/2010/main">
+              <a14:hiddenFill xmlns:a14="http://schemas.microsoft.com/office/drawing/2010/main" xmlns="">
                 <a:noFill/>
               </a14:hiddenFill>
             </a:ext>
             <a:ext uri="{91240B29-F687-4f45-9708-019B960494DF}">
-              <a14:hiddenLine xmlns="" xmlns:a14="http://schemas.microsoft.com/office/drawing/2010/main" w="9525">
+              <a14:hiddenLine xmlns:a14="http://schemas.microsoft.com/office/drawing/2010/main" xmlns="" w="9525">
                 <a:solidFill>
                   <a:srgbClr val="000000"/>
                 </a:solidFill>
@@ -32786,7 +32282,7 @@
                 </a:solidFill>
               </a:rPr>
               <a:pPr/>
-              <a:t>9</a:t>
+              <a:t>8</a:t>
             </a:fld>
             <a:endParaRPr lang="en-US" dirty="0">
               <a:solidFill>
@@ -32836,6 +32332,139 @@
     <p:extLst>
       <p:ext uri="{BB962C8B-B14F-4D97-AF65-F5344CB8AC3E}">
         <p14:creationId xmlns:p14="http://schemas.microsoft.com/office/powerpoint/2010/main" val="1131359211"/>
+      </p:ext>
+    </p:extLst>
+  </p:cSld>
+  <p:clrMapOvr>
+    <a:masterClrMapping/>
+  </p:clrMapOvr>
+  <p:transition spd="slow">
+    <p:push dir="u"/>
+  </p:transition>
+</p:sld>
+</file>
+
+<file path=ppt/slides/slide9.xml><?xml version="1.0" encoding="utf-8"?>
+<p:sld xmlns:a="http://schemas.openxmlformats.org/drawingml/2006/main" xmlns:r="http://schemas.openxmlformats.org/officeDocument/2006/relationships" xmlns:p="http://schemas.openxmlformats.org/presentationml/2006/main">
+  <p:cSld>
+    <p:bg>
+      <p:bgPr>
+        <a:solidFill>
+          <a:schemeClr val="bg1">
+            <a:lumMod val="95000"/>
+          </a:schemeClr>
+        </a:solidFill>
+        <a:effectLst/>
+      </p:bgPr>
+    </p:bg>
+    <p:spTree>
+      <p:nvGrpSpPr>
+        <p:cNvPr id="1" name=""/>
+        <p:cNvGrpSpPr/>
+        <p:nvPr/>
+      </p:nvGrpSpPr>
+      <p:grpSpPr>
+        <a:xfrm>
+          <a:off x="0" y="0"/>
+          <a:ext cx="0" cy="0"/>
+          <a:chOff x="0" y="0"/>
+          <a:chExt cx="0" cy="0"/>
+        </a:xfrm>
+      </p:grpSpPr>
+      <p:pic>
+        <p:nvPicPr>
+          <p:cNvPr id="15" name="Picture 14">
+            <a:extLst>
+              <a:ext uri="{FF2B5EF4-FFF2-40B4-BE49-F238E27FC236}">
+                <a16:creationId xmlns:a16="http://schemas.microsoft.com/office/drawing/2014/main" id="{B5A5A9E1-8820-4F02-8952-D9EDF8BE1C33}"/>
+              </a:ext>
+            </a:extLst>
+          </p:cNvPr>
+          <p:cNvPicPr>
+            <a:picLocks noChangeAspect="1"/>
+          </p:cNvPicPr>
+          <p:nvPr/>
+        </p:nvPicPr>
+        <p:blipFill>
+          <a:blip r:embed="rId3" cstate="print">
+            <a:extLst>
+              <a:ext uri="{28A0092B-C50C-407E-A947-70E740481C1C}">
+                <a14:useLocalDpi xmlns:a14="http://schemas.microsoft.com/office/drawing/2010/main" val="0"/>
+              </a:ext>
+            </a:extLst>
+          </a:blip>
+          <a:stretch>
+            <a:fillRect/>
+          </a:stretch>
+        </p:blipFill>
+        <p:spPr>
+          <a:xfrm>
+            <a:off x="5469948" y="1587543"/>
+            <a:ext cx="1252104" cy="1083016"/>
+          </a:xfrm>
+          <a:prstGeom prst="rect">
+            <a:avLst/>
+          </a:prstGeom>
+        </p:spPr>
+      </p:pic>
+      <p:sp>
+        <p:nvSpPr>
+          <p:cNvPr id="42" name="Rectangle 41"/>
+          <p:cNvSpPr/>
+          <p:nvPr/>
+        </p:nvSpPr>
+        <p:spPr>
+          <a:xfrm>
+            <a:off x="1443135" y="3114777"/>
+            <a:ext cx="9305730" cy="707886"/>
+          </a:xfrm>
+          <a:prstGeom prst="rect">
+            <a:avLst/>
+          </a:prstGeom>
+        </p:spPr>
+        <p:txBody>
+          <a:bodyPr wrap="square">
+            <a:spAutoFit/>
+          </a:bodyPr>
+          <a:lstStyle/>
+          <a:p>
+            <a:pPr algn="ctr"/>
+            <a:r>
+              <a:rPr lang="fr-CH" sz="4000" dirty="0">
+                <a:latin typeface="Roboto Light" charset="0"/>
+                <a:ea typeface="Roboto Light" charset="0"/>
+                <a:cs typeface="Roboto Light" charset="0"/>
+              </a:rPr>
+              <a:t>Analyse</a:t>
+            </a:r>
+            <a:r>
+              <a:rPr lang="en-US" sz="4000" dirty="0">
+                <a:latin typeface="Roboto Light" charset="0"/>
+                <a:ea typeface="Roboto Light" charset="0"/>
+                <a:cs typeface="Roboto Light" charset="0"/>
+              </a:rPr>
+              <a:t> du </a:t>
+            </a:r>
+            <a:r>
+              <a:rPr lang="en-US" sz="4000" dirty="0" err="1">
+                <a:latin typeface="Roboto Light" charset="0"/>
+                <a:ea typeface="Roboto Light" charset="0"/>
+                <a:cs typeface="Roboto Light" charset="0"/>
+              </a:rPr>
+              <a:t>projet</a:t>
+            </a:r>
+            <a:endParaRPr lang="en-US" sz="4000" dirty="0">
+              <a:latin typeface="Roboto Light" charset="0"/>
+              <a:ea typeface="Roboto Light" charset="0"/>
+              <a:cs typeface="Roboto Light" charset="0"/>
+            </a:endParaRPr>
+          </a:p>
+        </p:txBody>
+      </p:sp>
+    </p:spTree>
+    <p:extLst>
+      <p:ext uri="{BB962C8B-B14F-4D97-AF65-F5344CB8AC3E}">
+        <p14:creationId xmlns:p14="http://schemas.microsoft.com/office/powerpoint/2010/main" val="616704923"/>
       </p:ext>
     </p:extLst>
   </p:cSld>
